--- a/개발문서/영화관 - 메뉴구조도.pptx
+++ b/개발문서/영화관 - 메뉴구조도.pptx
@@ -1,14 +1,14 @@
 
 <file path=ppt/presentation.xml><?xml version="1.0" encoding="utf-8"?>
-<p:presentation xmlns:a="http://schemas.openxmlformats.org/drawingml/2006/main" xmlns:r="http://schemas.openxmlformats.org/officeDocument/2006/relationships" xmlns:p="http://schemas.openxmlformats.org/presentationml/2006/main" saveSubsetFonts="1">
+<p:presentation xmlns:r="http://schemas.openxmlformats.org/officeDocument/2006/relationships" xmlns:c="http://schemas.openxmlformats.org/drawingml/2006/chart" xmlns:a="http://schemas.openxmlformats.org/drawingml/2006/main" xmlns:dgm="http://schemas.openxmlformats.org/drawingml/2006/diagram" xmlns:dsp="http://schemas.microsoft.com/office/drawing/2008/diagram" xmlns:p="http://schemas.openxmlformats.org/presentationml/2006/main" saveSubsetFonts="1">
   <p:sldMasterIdLst>
-    <p:sldMasterId id="2147483801" r:id="rId1"/>
+    <p:sldMasterId id="2147483792" r:id="rId1"/>
   </p:sldMasterIdLst>
   <p:notesMasterIdLst>
-    <p:notesMasterId r:id="rId3"/>
+    <p:notesMasterId r:id="rId2"/>
   </p:notesMasterIdLst>
   <p:sldIdLst>
-    <p:sldId id="256" r:id="rId2"/>
+    <p:sldId id="256" r:id="rId3"/>
   </p:sldIdLst>
   <p:sldSz cx="51120675" cy="28800425"/>
   <p:notesSz cx="6858000" cy="9144000"/>
@@ -107,33 +107,17 @@
       </a:defRPr>
     </a:lvl9pPr>
   </p:defaultTextStyle>
-  <p:extLst>
-    <p:ext uri="{EFAFB233-063F-42B5-8137-9DF3F51BA10A}">
-      <p15:sldGuideLst xmlns:p15="http://schemas.microsoft.com/office/powerpoint/2012/main">
-        <p15:guide id="1" orient="horz" pos="10112">
-          <p15:clr>
-            <a:srgbClr val="A4A3A4"/>
-          </p15:clr>
-        </p15:guide>
-        <p15:guide id="2" pos="13103">
-          <p15:clr>
-            <a:srgbClr val="A4A3A4"/>
-          </p15:clr>
-        </p15:guide>
-      </p15:sldGuideLst>
-    </p:ext>
-  </p:extLst>
 </p:presentation>
 </file>
 
 <file path=ppt/commentAuthors.xml><?xml version="1.0" encoding="utf-8"?>
-<p:cmAuthorLst xmlns:a="http://schemas.openxmlformats.org/drawingml/2006/main" xmlns:r="http://schemas.openxmlformats.org/officeDocument/2006/relationships" xmlns:p="http://schemas.openxmlformats.org/presentationml/2006/main">
+<p:cmAuthorLst xmlns:r="http://schemas.openxmlformats.org/officeDocument/2006/relationships" xmlns:c="http://schemas.openxmlformats.org/drawingml/2006/chart" xmlns:a="http://schemas.openxmlformats.org/drawingml/2006/main" xmlns:dgm="http://schemas.openxmlformats.org/drawingml/2006/diagram" xmlns:dsp="http://schemas.microsoft.com/office/drawing/2008/diagram" xmlns:p="http://schemas.openxmlformats.org/presentationml/2006/main">
   <p:cmAuthor id="1" name="sist" initials="s" lastIdx="1" clrIdx="0"/>
 </p:cmAuthorLst>
 </file>
 
 <file path=ppt/notesMasters/notesMaster1.xml><?xml version="1.0" encoding="utf-8"?>
-<p:notesMaster xmlns:a="http://schemas.openxmlformats.org/drawingml/2006/main" xmlns:r="http://schemas.openxmlformats.org/officeDocument/2006/relationships" xmlns:p="http://schemas.openxmlformats.org/presentationml/2006/main">
+<p:notesMaster xmlns:r="http://schemas.openxmlformats.org/officeDocument/2006/relationships" xmlns:c="http://schemas.openxmlformats.org/drawingml/2006/chart" xmlns:a="http://schemas.openxmlformats.org/drawingml/2006/main" xmlns:dgm="http://schemas.openxmlformats.org/drawingml/2006/diagram" xmlns:dsp="http://schemas.microsoft.com/office/drawing/2008/diagram" xmlns:p="http://schemas.openxmlformats.org/presentationml/2006/main">
   <p:cSld>
     <p:bg>
       <p:bgRef idx="1001">
@@ -161,7 +145,7 @@
             <a:spLocks noGrp="1"/>
           </p:cNvSpPr>
           <p:nvPr>
-            <p:ph type="hdr" sz="quarter"/>
+            <p:ph type="hdr" sz="quarter" idx="0"/>
           </p:nvPr>
         </p:nvSpPr>
         <p:spPr>
@@ -184,6 +168,10 @@
             <a:pPr lvl="0">
               <a:defRPr/>
             </a:pPr>
+            <a:r>
+              <a:rPr lang="ko-KR" altLang="en-US"/>
+              <a:t/>
+            </a:r>
             <a:endParaRPr lang="ko-KR" altLang="en-US"/>
           </a:p>
         </p:txBody>
@@ -223,7 +211,7 @@
               <a:pPr lvl="0">
                 <a:defRPr/>
               </a:pPr>
-              <a:t>2020-01-14</a:t>
+              <a:t>2020-01-31</a:t>
             </a:fld>
             <a:endParaRPr lang="ko-KR" altLang="en-US"/>
           </a:p>
@@ -295,6 +283,7 @@
               <a:rPr lang="ko-KR" altLang="en-US"/>
               <a:t>마스터 텍스트 스타일을 편집하려면 클릭</a:t>
             </a:r>
+            <a:endParaRPr lang="ko-KR" altLang="en-US"/>
           </a:p>
           <a:p>
             <a:pPr lvl="1">
@@ -304,6 +293,7 @@
               <a:rPr lang="ko-KR" altLang="en-US"/>
               <a:t>두 번째 수준</a:t>
             </a:r>
+            <a:endParaRPr lang="ko-KR" altLang="en-US"/>
           </a:p>
           <a:p>
             <a:pPr lvl="2">
@@ -313,6 +303,7 @@
               <a:rPr lang="ko-KR" altLang="en-US"/>
               <a:t>세 번째 수준</a:t>
             </a:r>
+            <a:endParaRPr lang="ko-KR" altLang="en-US"/>
           </a:p>
           <a:p>
             <a:pPr lvl="3">
@@ -322,6 +313,7 @@
               <a:rPr lang="ko-KR" altLang="en-US"/>
               <a:t>네 번째 수준</a:t>
             </a:r>
+            <a:endParaRPr lang="ko-KR" altLang="en-US"/>
           </a:p>
           <a:p>
             <a:pPr lvl="4">
@@ -331,6 +323,7 @@
               <a:rPr lang="ko-KR" altLang="en-US"/>
               <a:t>다섯 번째 수준</a:t>
             </a:r>
+            <a:endParaRPr lang="ko-KR" altLang="en-US"/>
           </a:p>
         </p:txBody>
       </p:sp>
@@ -364,6 +357,10 @@
             <a:pPr lvl="0">
               <a:defRPr/>
             </a:pPr>
+            <a:r>
+              <a:rPr lang="ko-KR" altLang="en-US"/>
+              <a:t/>
+            </a:r>
             <a:endParaRPr lang="ko-KR" altLang="en-US"/>
           </a:p>
         </p:txBody>
@@ -509,7 +506,7 @@
 </file>
 
 <file path=ppt/notesSlides/notesSlide1.xml><?xml version="1.0" encoding="utf-8"?>
-<p:notes xmlns:a="http://schemas.openxmlformats.org/drawingml/2006/main" xmlns:r="http://schemas.openxmlformats.org/officeDocument/2006/relationships" xmlns:p="http://schemas.openxmlformats.org/presentationml/2006/main">
+<p:notes xmlns:r="http://schemas.openxmlformats.org/officeDocument/2006/relationships" xmlns:c="http://schemas.openxmlformats.org/drawingml/2006/chart" xmlns:a="http://schemas.openxmlformats.org/drawingml/2006/main" xmlns:dgm="http://schemas.openxmlformats.org/drawingml/2006/diagram" xmlns:dsp="http://schemas.microsoft.com/office/drawing/2008/diagram" xmlns:p="http://schemas.openxmlformats.org/presentationml/2006/main">
   <p:cSld>
     <p:spTree>
       <p:nvGrpSpPr>
@@ -532,7 +529,7 @@
             <a:spLocks noGrp="1" noRot="1" noChangeAspect="1" noTextEdit="1"/>
           </p:cNvSpPr>
           <p:nvPr>
-            <p:ph type="sldImg"/>
+            <p:ph type="sldImg" idx="0"/>
           </p:nvPr>
         </p:nvSpPr>
         <p:spPr/>
@@ -555,6 +552,10 @@
             <a:pPr lvl="0">
               <a:defRPr/>
             </a:pPr>
+            <a:r>
+              <a:rPr lang="ko-KR" altLang="en-US"/>
+              <a:t/>
+            </a:r>
             <a:endParaRPr lang="ko-KR" altLang="en-US"/>
           </a:p>
         </p:txBody>
@@ -3441,7 +3442,7 @@
 </file>
 
 <file path=ppt/slides/slide1.xml><?xml version="1.0" encoding="utf-8"?>
-<p:sld xmlns:a="http://schemas.openxmlformats.org/drawingml/2006/main" xmlns:r="http://schemas.openxmlformats.org/officeDocument/2006/relationships" xmlns:p="http://schemas.openxmlformats.org/presentationml/2006/main">
+<p:sld xmlns:r="http://schemas.openxmlformats.org/officeDocument/2006/relationships" xmlns:c="http://schemas.openxmlformats.org/drawingml/2006/chart" xmlns:a="http://schemas.openxmlformats.org/drawingml/2006/main" xmlns:dgm="http://schemas.openxmlformats.org/drawingml/2006/diagram" xmlns:dsp="http://schemas.microsoft.com/office/drawing/2008/diagram" xmlns:p="http://schemas.openxmlformats.org/presentationml/2006/main">
   <p:cSld>
     <p:spTree>
       <p:nvGrpSpPr>
@@ -3476,7 +3477,7 @@
           </a:solidFill>
           <a:ln>
             <a:solidFill>
-              <a:srgbClr val="203A7B"/>
+              <a:srgbClr val="203a7b"/>
             </a:solidFill>
           </a:ln>
         </p:spPr>
@@ -3520,6 +3521,7 @@
               <a:rPr lang="ko-KR" altLang="en-US" sz="2500" b="1"/>
               <a:t>관리자</a:t>
             </a:r>
+            <a:endParaRPr lang="ko-KR" altLang="en-US" sz="2500" b="1"/>
           </a:p>
         </p:txBody>
       </p:sp>
@@ -3578,6 +3580,7 @@
               <a:rPr lang="ko-KR" altLang="en-US" sz="2500" b="1"/>
               <a:t>관리자</a:t>
             </a:r>
+            <a:endParaRPr lang="ko-KR" altLang="en-US" sz="2500" b="1"/>
           </a:p>
         </p:txBody>
       </p:sp>
@@ -3631,6 +3634,7 @@
               <a:rPr lang="ko-KR" altLang="en-US" sz="3600" b="1"/>
               <a:t>영화관 예약 시스템</a:t>
             </a:r>
+            <a:endParaRPr lang="ko-KR" altLang="en-US" sz="3600" b="1"/>
           </a:p>
         </p:txBody>
       </p:sp>
@@ -3684,6 +3688,7 @@
               <a:rPr lang="ko-KR" altLang="en-US" sz="3000" b="1"/>
               <a:t>회원 가입</a:t>
             </a:r>
+            <a:endParaRPr lang="ko-KR" altLang="en-US" sz="3000" b="1"/>
           </a:p>
         </p:txBody>
       </p:sp>
@@ -3741,6 +3746,7 @@
               <a:rPr lang="ko-KR" altLang="en-US" sz="3000" b="1"/>
               <a:t>찾기</a:t>
             </a:r>
+            <a:endParaRPr lang="ko-KR" altLang="en-US" sz="3000" b="1"/>
           </a:p>
         </p:txBody>
       </p:sp>
@@ -3798,6 +3804,7 @@
               <a:rPr lang="ko-KR" altLang="en-US" sz="3000" b="1"/>
               <a:t>찾기</a:t>
             </a:r>
+            <a:endParaRPr lang="ko-KR" altLang="en-US" sz="3000" b="1"/>
           </a:p>
         </p:txBody>
       </p:sp>
@@ -3820,7 +3827,7 @@
           </a:solidFill>
           <a:ln>
             <a:solidFill>
-              <a:srgbClr val="BFA100"/>
+              <a:srgbClr val="bfa100"/>
             </a:solidFill>
           </a:ln>
         </p:spPr>
@@ -3856,6 +3863,7 @@
               <a:rPr lang="ko-KR" altLang="en-US" sz="2500" b="1"/>
               <a:t>회원</a:t>
             </a:r>
+            <a:endParaRPr lang="ko-KR" altLang="en-US" sz="2500" b="1"/>
           </a:p>
         </p:txBody>
       </p:sp>
@@ -3907,6 +3915,7 @@
               <a:rPr lang="ko-KR" altLang="en-US" sz="2600" b="1"/>
               <a:t>관리자페이지</a:t>
             </a:r>
+            <a:endParaRPr lang="ko-KR" altLang="en-US" sz="2600" b="1"/>
           </a:p>
         </p:txBody>
       </p:sp>
@@ -3958,6 +3967,7 @@
               <a:rPr lang="ko-KR" altLang="en-US" sz="2600" b="1"/>
               <a:t>신고 관리</a:t>
             </a:r>
+            <a:endParaRPr lang="ko-KR" altLang="en-US" sz="2600" b="1"/>
           </a:p>
         </p:txBody>
       </p:sp>
@@ -4032,6 +4042,7 @@
               <a:rPr lang="ko-KR" altLang="en-US" sz="2500" b="1"/>
               <a:t>관리자</a:t>
             </a:r>
+            <a:endParaRPr lang="ko-KR" altLang="en-US" sz="2500" b="1"/>
           </a:p>
         </p:txBody>
       </p:sp>
@@ -4089,6 +4100,11 @@
               </a:rPr>
               <a:t>로그인</a:t>
             </a:r>
+            <a:endParaRPr lang="ko-KR" altLang="en-US" sz="3000" b="1">
+              <a:solidFill>
+                <a:schemeClr val="tx1"/>
+              </a:solidFill>
+            </a:endParaRPr>
           </a:p>
         </p:txBody>
       </p:sp>
@@ -4153,6 +4169,11 @@
               </a:rPr>
               <a:t>로그아웃</a:t>
             </a:r>
+            <a:endParaRPr lang="ko-KR" altLang="en-US" sz="3000" b="1">
+              <a:solidFill>
+                <a:schemeClr val="bg1"/>
+              </a:solidFill>
+            </a:endParaRPr>
           </a:p>
         </p:txBody>
       </p:sp>
@@ -4204,6 +4225,7 @@
               <a:rPr lang="ko-KR" altLang="en-US" sz="2600" b="1"/>
               <a:t>마이페이지</a:t>
             </a:r>
+            <a:endParaRPr lang="ko-KR" altLang="en-US" sz="2600" b="1"/>
           </a:p>
         </p:txBody>
       </p:sp>
@@ -4262,6 +4284,7 @@
               <a:rPr lang="ko-KR" altLang="en-US" sz="2600" b="1"/>
               <a:t>영화</a:t>
             </a:r>
+            <a:endParaRPr lang="ko-KR" altLang="en-US" sz="2600" b="1"/>
           </a:p>
         </p:txBody>
       </p:sp>
@@ -4320,6 +4343,7 @@
               <a:rPr lang="ko-KR" altLang="en-US" sz="2600" b="1"/>
               <a:t>영화 상세보기</a:t>
             </a:r>
+            <a:endParaRPr lang="ko-KR" altLang="en-US" sz="2600" b="1"/>
           </a:p>
         </p:txBody>
       </p:sp>
@@ -4449,6 +4473,7 @@
               <a:rPr lang="ko-KR" altLang="en-US" sz="2600" b="1"/>
               <a:t>영화 정보</a:t>
             </a:r>
+            <a:endParaRPr lang="ko-KR" altLang="en-US" sz="2600" b="1"/>
           </a:p>
         </p:txBody>
       </p:sp>
@@ -4471,7 +4496,7 @@
           </a:solidFill>
           <a:ln>
             <a:solidFill>
-              <a:srgbClr val="806B00"/>
+              <a:srgbClr val="806b00"/>
             </a:solidFill>
           </a:ln>
         </p:spPr>
@@ -4504,26 +4529,22 @@
               <a:defRPr/>
             </a:pPr>
             <a:r>
-              <a:rPr lang="ko-KR" altLang="en-US" sz="2600" b="1" dirty="0"/>
-              <a:t>영화 </a:t>
-            </a:r>
-            <a:r>
-              <a:rPr lang="ko-KR" altLang="en-US" sz="2600" b="1" dirty="0" err="1"/>
-              <a:t>한줄평</a:t>
-            </a:r>
-            <a:r>
-              <a:rPr lang="en-US" altLang="ko-KR" sz="2600" b="1" dirty="0"/>
+              <a:rPr lang="ko-KR" altLang="en-US" sz="2600" b="1"/>
+              <a:t>영화 한줄평</a:t>
+            </a:r>
+            <a:r>
+              <a:rPr lang="en-US" altLang="ko-KR" sz="2600" b="1"/>
               <a:t>(</a:t>
             </a:r>
             <a:r>
-              <a:rPr lang="ko-KR" altLang="en-US" sz="2600" b="1" dirty="0"/>
+              <a:rPr lang="ko-KR" altLang="en-US" sz="2600" b="1"/>
               <a:t>작성</a:t>
             </a:r>
             <a:r>
-              <a:rPr lang="en-US" altLang="ko-KR" sz="2600" b="1" dirty="0"/>
+              <a:rPr lang="en-US" altLang="ko-KR" sz="2600" b="1"/>
               <a:t>)</a:t>
             </a:r>
-            <a:endParaRPr lang="ko-KR" altLang="en-US" sz="2600" b="1" dirty="0"/>
+            <a:endParaRPr lang="ko-KR" altLang="en-US" sz="2600" b="1"/>
           </a:p>
         </p:txBody>
       </p:sp>
@@ -4546,7 +4567,7 @@
           </a:solidFill>
           <a:ln>
             <a:solidFill>
-              <a:srgbClr val="806B00"/>
+              <a:srgbClr val="806b00"/>
             </a:solidFill>
           </a:ln>
         </p:spPr>
@@ -4582,6 +4603,7 @@
               <a:rPr lang="ko-KR" altLang="en-US" sz="2600" b="1"/>
               <a:t>한줄평 수정</a:t>
             </a:r>
+            <a:endParaRPr lang="ko-KR" altLang="en-US" sz="2600" b="1"/>
           </a:p>
         </p:txBody>
       </p:sp>
@@ -4606,7 +4628,7 @@
           </a:solidFill>
           <a:ln>
             <a:solidFill>
-              <a:srgbClr val="806B00"/>
+              <a:srgbClr val="806b00"/>
             </a:solidFill>
           </a:ln>
         </p:spPr>
@@ -4642,6 +4664,7 @@
               <a:rPr lang="ko-KR" altLang="en-US" sz="2600" b="1"/>
               <a:t>한줄평 삭제</a:t>
             </a:r>
+            <a:endParaRPr lang="ko-KR" altLang="en-US" sz="2600" b="1"/>
           </a:p>
         </p:txBody>
       </p:sp>
@@ -4664,7 +4687,7 @@
           </a:solidFill>
           <a:ln>
             <a:solidFill>
-              <a:srgbClr val="806B00"/>
+              <a:srgbClr val="806b00"/>
             </a:solidFill>
           </a:ln>
         </p:spPr>
@@ -4720,15 +4743,18 @@
               </a:rPr>
               <a:t>신고</a:t>
             </a:r>
+            <a:endParaRPr lang="ko-KR" altLang="en-US" sz="2600" b="1">
+              <a:solidFill>
+                <a:schemeClr val="bg1"/>
+              </a:solidFill>
+            </a:endParaRPr>
           </a:p>
         </p:txBody>
       </p:sp>
       <p:cxnSp>
         <p:nvCxnSpPr>
           <p:cNvPr id="1401" name="연결선: 꺾임 1400"/>
-          <p:cNvCxnSpPr>
-            <a:cxnSpLocks/>
-          </p:cNvCxnSpPr>
+          <p:cNvCxnSpPr/>
           <p:nvPr/>
         </p:nvCxnSpPr>
         <p:spPr>
@@ -4990,6 +5016,7 @@
               <a:rPr lang="ko-KR" altLang="en-US" sz="2600" b="1"/>
               <a:t>예매</a:t>
             </a:r>
+            <a:endParaRPr lang="ko-KR" altLang="en-US" sz="2600" b="1"/>
           </a:p>
         </p:txBody>
       </p:sp>
@@ -5048,6 +5075,7 @@
               <a:rPr lang="ko-KR" altLang="en-US" sz="2600" b="1"/>
               <a:t>상영 시간표 조회</a:t>
             </a:r>
+            <a:endParaRPr lang="ko-KR" altLang="en-US" sz="2600" b="1"/>
           </a:p>
         </p:txBody>
       </p:sp>
@@ -5099,6 +5127,7 @@
               <a:rPr lang="ko-KR" altLang="en-US" sz="2600" b="1"/>
               <a:t>예매</a:t>
             </a:r>
+            <a:endParaRPr lang="ko-KR" altLang="en-US" sz="2600" b="1"/>
           </a:p>
         </p:txBody>
       </p:sp>
@@ -5173,6 +5202,7 @@
               <a:rPr lang="ko-KR" altLang="en-US" sz="2600" b="1"/>
               <a:t>선택 페이지</a:t>
             </a:r>
+            <a:endParaRPr lang="ko-KR" altLang="en-US" sz="2600" b="1"/>
           </a:p>
         </p:txBody>
       </p:sp>
@@ -5239,6 +5269,7 @@
               <a:rPr lang="ko-KR" altLang="en-US" sz="2500" b="1"/>
               <a:t>선택 페이지</a:t>
             </a:r>
+            <a:endParaRPr lang="ko-KR" altLang="en-US" sz="2500" b="1"/>
           </a:p>
         </p:txBody>
       </p:sp>
@@ -5394,32 +5425,33 @@
               <a:defRPr/>
             </a:pPr>
             <a:r>
-              <a:rPr lang="ko-KR" altLang="en-US" sz="2500" b="1" dirty="0"/>
+              <a:rPr lang="ko-KR" altLang="en-US" sz="2500" b="1"/>
               <a:t>영화</a:t>
             </a:r>
             <a:r>
-              <a:rPr lang="en-US" altLang="ko-KR" sz="2500" b="1" dirty="0"/>
+              <a:rPr lang="en-US" altLang="ko-KR" sz="2500" b="1"/>
               <a:t>, </a:t>
             </a:r>
             <a:r>
-              <a:rPr lang="ko-KR" altLang="en-US" sz="2500" b="1" dirty="0"/>
+              <a:rPr lang="ko-KR" altLang="en-US" sz="2500" b="1"/>
               <a:t>시간</a:t>
             </a:r>
             <a:r>
-              <a:rPr lang="en-US" altLang="ko-KR" sz="2500" b="1" dirty="0"/>
+              <a:rPr lang="en-US" altLang="ko-KR" sz="2500" b="1"/>
               <a:t>, </a:t>
             </a:r>
             <a:r>
-              <a:rPr lang="ko-KR" altLang="en-US" sz="2500" b="1" dirty="0"/>
+              <a:rPr lang="ko-KR" altLang="en-US" sz="2500" b="1"/>
               <a:t>날짜</a:t>
             </a:r>
             <a:br>
-              <a:rPr lang="en-US" altLang="ko-KR" sz="2500" b="1" dirty="0"/>
+              <a:rPr lang="en-US" altLang="ko-KR" sz="2500" b="1"/>
             </a:br>
             <a:r>
-              <a:rPr lang="ko-KR" altLang="en-US" sz="2500" b="1" dirty="0"/>
+              <a:rPr lang="ko-KR" altLang="en-US" sz="2500" b="1"/>
               <a:t>선택 페이지</a:t>
             </a:r>
+            <a:endParaRPr lang="ko-KR" altLang="en-US" sz="2500" b="1"/>
           </a:p>
         </p:txBody>
       </p:sp>
@@ -5478,6 +5510,7 @@
               <a:rPr lang="ko-KR" altLang="en-US" sz="2600" b="1"/>
               <a:t>리뷰 게시판</a:t>
             </a:r>
+            <a:endParaRPr lang="ko-KR" altLang="en-US" sz="2600" b="1"/>
           </a:p>
         </p:txBody>
       </p:sp>
@@ -5536,6 +5569,7 @@
               <a:rPr lang="ko-KR" altLang="en-US" sz="2600" b="1"/>
               <a:t>리뷰글 상세보기</a:t>
             </a:r>
+            <a:endParaRPr lang="ko-KR" altLang="en-US" sz="2600" b="1"/>
           </a:p>
         </p:txBody>
       </p:sp>
@@ -5587,6 +5621,7 @@
               <a:rPr lang="ko-KR" altLang="en-US" sz="2600" b="1"/>
               <a:t>리뷰글 수정</a:t>
             </a:r>
+            <a:endParaRPr lang="ko-KR" altLang="en-US" sz="2600" b="1"/>
           </a:p>
         </p:txBody>
       </p:sp>
@@ -5609,7 +5644,7 @@
           </a:solidFill>
           <a:ln>
             <a:solidFill>
-              <a:srgbClr val="203A7B"/>
+              <a:srgbClr val="203a7b"/>
             </a:solidFill>
           </a:ln>
         </p:spPr>
@@ -5645,6 +5680,7 @@
               <a:rPr lang="ko-KR" altLang="en-US" sz="2600" b="1"/>
               <a:t>리뷰글 삭제</a:t>
             </a:r>
+            <a:endParaRPr lang="ko-KR" altLang="en-US" sz="2600" b="1"/>
           </a:p>
         </p:txBody>
       </p:sp>
@@ -5703,6 +5739,7 @@
               <a:rPr lang="ko-KR" altLang="en-US" sz="2600" b="1"/>
               <a:t>리뷰글 조회</a:t>
             </a:r>
+            <a:endParaRPr lang="ko-KR" altLang="en-US" sz="2600" b="1"/>
           </a:p>
         </p:txBody>
       </p:sp>
@@ -5761,6 +5798,7 @@
               <a:rPr lang="ko-KR" altLang="en-US" sz="2600" b="1"/>
               <a:t>리뷰 댓글 조회</a:t>
             </a:r>
+            <a:endParaRPr lang="ko-KR" altLang="en-US" sz="2600" b="1"/>
           </a:p>
         </p:txBody>
       </p:sp>
@@ -5812,6 +5850,7 @@
               <a:rPr lang="ko-KR" altLang="en-US" sz="2600" b="1"/>
               <a:t>리뷰 댓글 작성</a:t>
             </a:r>
+            <a:endParaRPr lang="ko-KR" altLang="en-US" sz="2600" b="1"/>
           </a:p>
         </p:txBody>
       </p:sp>
@@ -5863,6 +5902,7 @@
               <a:rPr lang="ko-KR" altLang="en-US" sz="2600" b="1"/>
               <a:t>리뷰 댓글 수정</a:t>
             </a:r>
+            <a:endParaRPr lang="ko-KR" altLang="en-US" sz="2600" b="1"/>
           </a:p>
         </p:txBody>
       </p:sp>
@@ -5885,7 +5925,7 @@
           </a:solidFill>
           <a:ln>
             <a:solidFill>
-              <a:srgbClr val="203A7B"/>
+              <a:srgbClr val="203a7b"/>
             </a:solidFill>
           </a:ln>
         </p:spPr>
@@ -5921,6 +5961,7 @@
               <a:rPr lang="ko-KR" altLang="en-US" sz="2600" b="1"/>
               <a:t>리뷰 댓글 삭제</a:t>
             </a:r>
+            <a:endParaRPr lang="ko-KR" altLang="en-US" sz="2600" b="1"/>
           </a:p>
         </p:txBody>
       </p:sp>
@@ -5976,6 +6017,11 @@
               </a:rPr>
               <a:t>리뷰글 신고</a:t>
             </a:r>
+            <a:endParaRPr lang="ko-KR" altLang="en-US" sz="2600" b="1">
+              <a:solidFill>
+                <a:schemeClr val="bg1"/>
+              </a:solidFill>
+            </a:endParaRPr>
           </a:p>
         </p:txBody>
       </p:sp>
@@ -6031,6 +6077,11 @@
               </a:rPr>
               <a:t>리뷰 댓글 신고</a:t>
             </a:r>
+            <a:endParaRPr lang="ko-KR" altLang="en-US" sz="2600" b="1">
+              <a:solidFill>
+                <a:schemeClr val="bg1"/>
+              </a:solidFill>
+            </a:endParaRPr>
           </a:p>
         </p:txBody>
       </p:sp>
@@ -6089,6 +6140,7 @@
               <a:rPr lang="ko-KR" altLang="en-US" sz="2600" b="1"/>
               <a:t>게시글 검색</a:t>
             </a:r>
+            <a:endParaRPr lang="ko-KR" altLang="en-US" sz="2600" b="1"/>
           </a:p>
         </p:txBody>
       </p:sp>
@@ -6427,6 +6479,7 @@
               <a:rPr lang="ko-KR" altLang="en-US" sz="2600" b="1"/>
               <a:t>기프티콘</a:t>
             </a:r>
+            <a:endParaRPr lang="ko-KR" altLang="en-US" sz="2600" b="1"/>
           </a:p>
         </p:txBody>
       </p:sp>
@@ -6485,6 +6538,7 @@
               <a:rPr lang="ko-KR" altLang="en-US" sz="2600" b="1"/>
               <a:t>기프티콘 조회</a:t>
             </a:r>
+            <a:endParaRPr lang="ko-KR" altLang="en-US" sz="2600" b="1"/>
           </a:p>
         </p:txBody>
       </p:sp>
@@ -6496,7 +6550,7 @@
         </p:nvSpPr>
         <p:spPr>
           <a:xfrm>
-            <a:off x="20555684" y="11425931"/>
+            <a:off x="20803764" y="10638786"/>
             <a:ext cx="3060382" cy="684085"/>
           </a:xfrm>
           <a:prstGeom prst="rect">
@@ -6536,6 +6590,7 @@
               <a:rPr lang="ko-KR" altLang="en-US" sz="2600" b="1"/>
               <a:t>기프티콘 구매</a:t>
             </a:r>
+            <a:endParaRPr lang="ko-KR" altLang="en-US" sz="2600" b="1"/>
           </a:p>
         </p:txBody>
       </p:sp>
@@ -6547,7 +6602,7 @@
         </p:nvSpPr>
         <p:spPr>
           <a:xfrm>
-            <a:off x="19942608" y="10280817"/>
+            <a:off x="20190688" y="9493672"/>
             <a:ext cx="3060382" cy="873884"/>
           </a:xfrm>
           <a:prstGeom prst="rect">
@@ -6594,6 +6649,7 @@
               <a:rPr lang="ko-KR" altLang="en-US" sz="2500" b="1"/>
               <a:t>기프티콘 </a:t>
             </a:r>
+            <a:endParaRPr lang="ko-KR" altLang="en-US" sz="2500" b="1"/>
           </a:p>
           <a:p>
             <a:pPr algn="ctr">
@@ -6603,18 +6659,126 @@
               <a:rPr lang="ko-KR" altLang="en-US" sz="2500" b="1"/>
               <a:t>상세보기</a:t>
             </a:r>
-          </a:p>
-        </p:txBody>
-      </p:sp>
-      <p:sp>
-        <p:nvSpPr>
-          <p:cNvPr id="1184" name="직사각형 1183"/>
+            <a:endParaRPr lang="ko-KR" altLang="en-US" sz="2500" b="1"/>
+          </a:p>
+        </p:txBody>
+      </p:sp>
+      <p:cxnSp>
+        <p:nvCxnSpPr>
+          <p:cNvPr id="1422" name="연결선: 꺾임 1421"/>
+          <p:cNvCxnSpPr>
+            <a:stCxn id="1038" idx="1"/>
+          </p:cNvCxnSpPr>
+          <p:nvPr/>
+        </p:nvCxnSpPr>
+        <p:spPr>
+          <a:xfrm rot="10800000">
+            <a:off x="18663472" y="7111621"/>
+            <a:ext cx="333998" cy="650291"/>
+          </a:xfrm>
+          <a:prstGeom prst="bentConnector2">
+            <a:avLst/>
+          </a:prstGeom>
+          <a:ln>
+            <a:solidFill>
+              <a:schemeClr val="dk1"/>
+            </a:solidFill>
+          </a:ln>
+        </p:spPr>
+        <p:style>
+          <a:lnRef idx="1">
+            <a:schemeClr val="accent1"/>
+          </a:lnRef>
+          <a:fillRef idx="0">
+            <a:schemeClr val="accent1"/>
+          </a:fillRef>
+          <a:effectRef idx="0">
+            <a:schemeClr val="accent1"/>
+          </a:effectRef>
+          <a:fontRef idx="minor">
+            <a:schemeClr val="tx1"/>
+          </a:fontRef>
+        </p:style>
+      </p:cxnSp>
+      <p:cxnSp>
+        <p:nvCxnSpPr>
+          <p:cNvPr id="1423" name="직선 연결선 1422"/>
+          <p:cNvCxnSpPr/>
+          <p:nvPr/>
+        </p:nvCxnSpPr>
+        <p:spPr>
+          <a:xfrm rot="10800000">
+            <a:off x="18663472" y="7769524"/>
+            <a:ext cx="334000" cy="0"/>
+          </a:xfrm>
+          <a:prstGeom prst="line">
+            <a:avLst/>
+          </a:prstGeom>
+          <a:ln>
+            <a:solidFill>
+              <a:schemeClr val="dk1"/>
+            </a:solidFill>
+          </a:ln>
+        </p:spPr>
+        <p:style>
+          <a:lnRef idx="1">
+            <a:schemeClr val="accent1"/>
+          </a:lnRef>
+          <a:fillRef idx="0">
+            <a:schemeClr val="accent1"/>
+          </a:fillRef>
+          <a:effectRef idx="0">
+            <a:schemeClr val="accent1"/>
+          </a:effectRef>
+          <a:fontRef idx="minor">
+            <a:schemeClr val="tx1"/>
+          </a:fontRef>
+        </p:style>
+      </p:cxnSp>
+      <p:cxnSp>
+        <p:nvCxnSpPr>
+          <p:cNvPr id="1446" name="연결선: 꺾임 1445"/>
+          <p:cNvCxnSpPr/>
+          <p:nvPr/>
+        </p:nvCxnSpPr>
+        <p:spPr>
+          <a:xfrm rot="10800000">
+            <a:off x="20444084" y="10372617"/>
+            <a:ext cx="359682" cy="608212"/>
+          </a:xfrm>
+          <a:prstGeom prst="bentConnector2">
+            <a:avLst/>
+          </a:prstGeom>
+          <a:ln>
+            <a:solidFill>
+              <a:schemeClr val="dk1"/>
+            </a:solidFill>
+          </a:ln>
+        </p:spPr>
+        <p:style>
+          <a:lnRef idx="1">
+            <a:schemeClr val="accent1"/>
+          </a:lnRef>
+          <a:fillRef idx="0">
+            <a:schemeClr val="accent1"/>
+          </a:fillRef>
+          <a:effectRef idx="0">
+            <a:schemeClr val="accent1"/>
+          </a:effectRef>
+          <a:fontRef idx="minor">
+            <a:schemeClr val="tx1"/>
+          </a:fontRef>
+        </p:style>
+      </p:cxnSp>
+      <p:sp>
+        <p:nvSpPr>
+          <p:cNvPr id="1021" name="직사각형 1020"/>
           <p:cNvSpPr/>
           <p:nvPr/>
         </p:nvSpPr>
         <p:spPr>
           <a:xfrm>
-            <a:off x="19882142" y="8358975"/>
+            <a:off x="18684480" y="19552422"/>
             <a:ext cx="3060382" cy="684085"/>
           </a:xfrm>
           <a:prstGeom prst="rect">
@@ -6659,127 +6823,21 @@
             </a:pPr>
             <a:r>
               <a:rPr lang="ko-KR" altLang="en-US" sz="2600" b="1"/>
-              <a:t>기프티콘 검색</a:t>
-            </a:r>
-          </a:p>
-        </p:txBody>
-      </p:sp>
-      <p:cxnSp>
-        <p:nvCxnSpPr>
-          <p:cNvPr id="1422" name="연결선: 꺾임 1421"/>
-          <p:cNvCxnSpPr>
-            <a:stCxn id="1038" idx="1"/>
-          </p:cNvCxnSpPr>
-          <p:nvPr/>
-        </p:nvCxnSpPr>
-        <p:spPr>
-          <a:xfrm rot="10800000">
-            <a:off x="18663472" y="7111621"/>
-            <a:ext cx="333998" cy="650291"/>
-          </a:xfrm>
-          <a:prstGeom prst="bentConnector2">
-            <a:avLst/>
-          </a:prstGeom>
-          <a:ln>
-            <a:solidFill>
-              <a:schemeClr val="dk1"/>
-            </a:solidFill>
-          </a:ln>
-        </p:spPr>
-        <p:style>
-          <a:lnRef idx="1">
-            <a:schemeClr val="accent1"/>
-          </a:lnRef>
-          <a:fillRef idx="0">
-            <a:schemeClr val="accent1"/>
-          </a:fillRef>
-          <a:effectRef idx="0">
-            <a:schemeClr val="accent1"/>
-          </a:effectRef>
-          <a:fontRef idx="minor">
-            <a:schemeClr val="tx1"/>
-          </a:fontRef>
-        </p:style>
-      </p:cxnSp>
-      <p:cxnSp>
-        <p:nvCxnSpPr>
-          <p:cNvPr id="1423" name="직선 연결선 1422"/>
-          <p:cNvCxnSpPr/>
-          <p:nvPr/>
-        </p:nvCxnSpPr>
-        <p:spPr>
-          <a:xfrm rot="10800000">
-            <a:off x="18663472" y="7769524"/>
-            <a:ext cx="334000" cy="0"/>
-          </a:xfrm>
-          <a:prstGeom prst="line">
-            <a:avLst/>
-          </a:prstGeom>
-          <a:ln>
-            <a:solidFill>
-              <a:schemeClr val="dk1"/>
-            </a:solidFill>
-          </a:ln>
-        </p:spPr>
-        <p:style>
-          <a:lnRef idx="1">
-            <a:schemeClr val="accent1"/>
-          </a:lnRef>
-          <a:fillRef idx="0">
-            <a:schemeClr val="accent1"/>
-          </a:fillRef>
-          <a:effectRef idx="0">
-            <a:schemeClr val="accent1"/>
-          </a:effectRef>
-          <a:fontRef idx="minor">
-            <a:schemeClr val="tx1"/>
-          </a:fontRef>
-        </p:style>
-      </p:cxnSp>
-      <p:cxnSp>
-        <p:nvCxnSpPr>
-          <p:cNvPr id="1446" name="연결선: 꺾임 1445"/>
-          <p:cNvCxnSpPr/>
-          <p:nvPr/>
-        </p:nvCxnSpPr>
-        <p:spPr>
-          <a:xfrm rot="10800000">
-            <a:off x="20196004" y="11159762"/>
-            <a:ext cx="359682" cy="608212"/>
-          </a:xfrm>
-          <a:prstGeom prst="bentConnector2">
-            <a:avLst/>
-          </a:prstGeom>
-          <a:ln>
-            <a:solidFill>
-              <a:schemeClr val="dk1"/>
-            </a:solidFill>
-          </a:ln>
-        </p:spPr>
-        <p:style>
-          <a:lnRef idx="1">
-            <a:schemeClr val="accent1"/>
-          </a:lnRef>
-          <a:fillRef idx="0">
-            <a:schemeClr val="accent1"/>
-          </a:fillRef>
-          <a:effectRef idx="0">
-            <a:schemeClr val="accent1"/>
-          </a:effectRef>
-          <a:fontRef idx="minor">
-            <a:schemeClr val="tx1"/>
-          </a:fontRef>
-        </p:style>
-      </p:cxnSp>
-      <p:sp>
-        <p:nvSpPr>
-          <p:cNvPr id="1021" name="직사각형 1020"/>
+              <a:t>건의사항</a:t>
+            </a:r>
+            <a:endParaRPr lang="ko-KR" altLang="en-US" sz="2600" b="1"/>
+          </a:p>
+        </p:txBody>
+      </p:sp>
+      <p:sp>
+        <p:nvSpPr>
+          <p:cNvPr id="1039" name="직사각형 1038"/>
           <p:cNvSpPr/>
           <p:nvPr/>
         </p:nvSpPr>
         <p:spPr>
           <a:xfrm>
-            <a:off x="18684480" y="19552422"/>
+            <a:off x="20428730" y="23479438"/>
             <a:ext cx="3060382" cy="684085"/>
           </a:xfrm>
           <a:prstGeom prst="rect">
@@ -6824,45 +6882,39 @@
             </a:pPr>
             <a:r>
               <a:rPr lang="ko-KR" altLang="en-US" sz="2600" b="1"/>
-              <a:t>건의사항</a:t>
-            </a:r>
-          </a:p>
-        </p:txBody>
-      </p:sp>
-      <p:sp>
-        <p:nvSpPr>
-          <p:cNvPr id="1039" name="직사각형 1038"/>
+              <a:t>건의사항 상세보기</a:t>
+            </a:r>
+            <a:endParaRPr lang="ko-KR" altLang="en-US" sz="2600" b="1"/>
+          </a:p>
+        </p:txBody>
+      </p:sp>
+      <p:sp>
+        <p:nvSpPr>
+          <p:cNvPr id="1040" name="직사각형 1039"/>
           <p:cNvSpPr/>
           <p:nvPr/>
         </p:nvSpPr>
         <p:spPr>
           <a:xfrm>
-            <a:off x="20428730" y="23479438"/>
+            <a:off x="20428728" y="22520246"/>
             <a:ext cx="3060382" cy="684085"/>
           </a:xfrm>
           <a:prstGeom prst="rect">
             <a:avLst/>
           </a:prstGeom>
-          <a:solidFill>
-            <a:srgbClr val="808080"/>
-          </a:solidFill>
-          <a:ln>
-            <a:solidFill>
-              <a:srgbClr val="595959"/>
-            </a:solidFill>
-          </a:ln>
+          <a:ln/>
         </p:spPr>
         <p:style>
           <a:lnRef idx="2">
-            <a:schemeClr val="accent5">
+            <a:schemeClr val="accent4">
               <a:shade val="50000"/>
             </a:schemeClr>
           </a:lnRef>
           <a:fillRef idx="1">
-            <a:schemeClr val="accent5"/>
-          </a:fillRef>
-          <a:effectRef idx="0">
-            <a:schemeClr val="accent5"/>
+            <a:schemeClr val="accent4"/>
+          </a:fillRef>
+          <a:effectRef idx="0">
+            <a:schemeClr val="accent4"/>
           </a:effectRef>
           <a:fontRef idx="minor">
             <a:schemeClr val="lt1"/>
@@ -6882,20 +6934,21 @@
             </a:pPr>
             <a:r>
               <a:rPr lang="ko-KR" altLang="en-US" sz="2600" b="1"/>
-              <a:t>건의사항 상세보기</a:t>
-            </a:r>
-          </a:p>
-        </p:txBody>
-      </p:sp>
-      <p:sp>
-        <p:nvSpPr>
-          <p:cNvPr id="1040" name="직사각형 1039"/>
+              <a:t>건의사항 작성</a:t>
+            </a:r>
+            <a:endParaRPr lang="ko-KR" altLang="en-US" sz="2600" b="1"/>
+          </a:p>
+        </p:txBody>
+      </p:sp>
+      <p:sp>
+        <p:nvSpPr>
+          <p:cNvPr id="1046" name="직사각형 1045"/>
           <p:cNvSpPr/>
           <p:nvPr/>
         </p:nvSpPr>
         <p:spPr>
           <a:xfrm>
-            <a:off x="20428728" y="22520246"/>
+            <a:off x="21311620" y="24412884"/>
             <a:ext cx="3060382" cy="684085"/>
           </a:xfrm>
           <a:prstGeom prst="rect">
@@ -6933,38 +6986,46 @@
             </a:pPr>
             <a:r>
               <a:rPr lang="ko-KR" altLang="en-US" sz="2600" b="1"/>
-              <a:t>건의사항 작성</a:t>
-            </a:r>
-          </a:p>
-        </p:txBody>
-      </p:sp>
-      <p:sp>
-        <p:nvSpPr>
-          <p:cNvPr id="1046" name="직사각형 1045"/>
+              <a:t>건의사항 수정</a:t>
+            </a:r>
+            <a:endParaRPr lang="ko-KR" altLang="en-US" sz="2600" b="1"/>
+          </a:p>
+        </p:txBody>
+      </p:sp>
+      <p:sp>
+        <p:nvSpPr>
+          <p:cNvPr id="1048" name="직사각형 1047"/>
           <p:cNvSpPr/>
           <p:nvPr/>
         </p:nvSpPr>
         <p:spPr>
           <a:xfrm>
-            <a:off x="21311620" y="24412884"/>
+            <a:off x="21311620" y="25401918"/>
             <a:ext cx="3060382" cy="684085"/>
           </a:xfrm>
           <a:prstGeom prst="rect">
             <a:avLst/>
           </a:prstGeom>
-          <a:ln/>
+          <a:solidFill>
+            <a:schemeClr val="accent1"/>
+          </a:solidFill>
+          <a:ln>
+            <a:solidFill>
+              <a:srgbClr val="203a7b"/>
+            </a:solidFill>
+          </a:ln>
         </p:spPr>
         <p:style>
           <a:lnRef idx="2">
-            <a:schemeClr val="accent4">
+            <a:schemeClr val="accent5">
               <a:shade val="50000"/>
             </a:schemeClr>
           </a:lnRef>
           <a:fillRef idx="1">
-            <a:schemeClr val="accent4"/>
-          </a:fillRef>
-          <a:effectRef idx="0">
-            <a:schemeClr val="accent4"/>
+            <a:schemeClr val="accent5"/>
+          </a:fillRef>
+          <a:effectRef idx="0">
+            <a:schemeClr val="accent5"/>
           </a:effectRef>
           <a:fontRef idx="minor">
             <a:schemeClr val="lt1"/>
@@ -6984,31 +7045,32 @@
             </a:pPr>
             <a:r>
               <a:rPr lang="ko-KR" altLang="en-US" sz="2600" b="1"/>
-              <a:t>건의사항 수정</a:t>
-            </a:r>
-          </a:p>
-        </p:txBody>
-      </p:sp>
-      <p:sp>
-        <p:nvSpPr>
-          <p:cNvPr id="1048" name="직사각형 1047"/>
+              <a:t>건의사항 삭제</a:t>
+            </a:r>
+            <a:endParaRPr lang="ko-KR" altLang="en-US" sz="2600" b="1"/>
+          </a:p>
+        </p:txBody>
+      </p:sp>
+      <p:sp>
+        <p:nvSpPr>
+          <p:cNvPr id="1106" name="직사각형 1105"/>
           <p:cNvSpPr/>
           <p:nvPr/>
         </p:nvSpPr>
         <p:spPr>
           <a:xfrm>
-            <a:off x="21311620" y="25401918"/>
+            <a:off x="19579798" y="20605962"/>
             <a:ext cx="3060382" cy="684085"/>
           </a:xfrm>
           <a:prstGeom prst="rect">
             <a:avLst/>
           </a:prstGeom>
           <a:solidFill>
-            <a:schemeClr val="accent1"/>
+            <a:srgbClr val="808080"/>
           </a:solidFill>
           <a:ln>
             <a:solidFill>
-              <a:srgbClr val="203A7B"/>
+              <a:srgbClr val="595959"/>
             </a:solidFill>
           </a:ln>
         </p:spPr>
@@ -7042,20 +7104,21 @@
             </a:pPr>
             <a:r>
               <a:rPr lang="ko-KR" altLang="en-US" sz="2600" b="1"/>
-              <a:t>건의사항 삭제</a:t>
-            </a:r>
-          </a:p>
-        </p:txBody>
-      </p:sp>
-      <p:sp>
-        <p:nvSpPr>
-          <p:cNvPr id="1106" name="직사각형 1105"/>
+              <a:t>건의사항 조회</a:t>
+            </a:r>
+            <a:endParaRPr lang="ko-KR" altLang="en-US" sz="2600" b="1"/>
+          </a:p>
+        </p:txBody>
+      </p:sp>
+      <p:sp>
+        <p:nvSpPr>
+          <p:cNvPr id="1188" name="직사각형 1187"/>
           <p:cNvSpPr/>
           <p:nvPr/>
         </p:nvSpPr>
         <p:spPr>
           <a:xfrm>
-            <a:off x="19579798" y="20605962"/>
+            <a:off x="20375844" y="21583572"/>
             <a:ext cx="3060382" cy="684085"/>
           </a:xfrm>
           <a:prstGeom prst="rect">
@@ -7100,20 +7163,91 @@
             </a:pPr>
             <a:r>
               <a:rPr lang="ko-KR" altLang="en-US" sz="2600" b="1"/>
-              <a:t>건의사항 조회</a:t>
-            </a:r>
-          </a:p>
-        </p:txBody>
-      </p:sp>
-      <p:sp>
-        <p:nvSpPr>
-          <p:cNvPr id="1188" name="직사각형 1187"/>
+              <a:t>건의사항 검색</a:t>
+            </a:r>
+            <a:endParaRPr lang="ko-KR" altLang="en-US" sz="2600" b="1"/>
+          </a:p>
+        </p:txBody>
+      </p:sp>
+      <p:cxnSp>
+        <p:nvCxnSpPr>
+          <p:cNvPr id="1469" name="연결선: 꺾임 1468"/>
+          <p:cNvCxnSpPr/>
+          <p:nvPr/>
+        </p:nvCxnSpPr>
+        <p:spPr>
+          <a:xfrm rot="10800000">
+            <a:off x="20805352" y="24172270"/>
+            <a:ext cx="506266" cy="1571690"/>
+          </a:xfrm>
+          <a:prstGeom prst="bentConnector2">
+            <a:avLst/>
+          </a:prstGeom>
+          <a:ln>
+            <a:solidFill>
+              <a:schemeClr val="dk1"/>
+            </a:solidFill>
+          </a:ln>
+        </p:spPr>
+        <p:style>
+          <a:lnRef idx="1">
+            <a:schemeClr val="accent1"/>
+          </a:lnRef>
+          <a:fillRef idx="0">
+            <a:schemeClr val="accent1"/>
+          </a:fillRef>
+          <a:effectRef idx="0">
+            <a:schemeClr val="accent1"/>
+          </a:effectRef>
+          <a:fontRef idx="minor">
+            <a:schemeClr val="tx1"/>
+          </a:fontRef>
+        </p:style>
+      </p:cxnSp>
+      <p:cxnSp>
+        <p:nvCxnSpPr>
+          <p:cNvPr id="1470" name="직선 연결선 1469"/>
+          <p:cNvCxnSpPr/>
+          <p:nvPr/>
+        </p:nvCxnSpPr>
+        <p:spPr>
+          <a:xfrm rot="10800000">
+            <a:off x="20805350" y="24754926"/>
+            <a:ext cx="506268" cy="0"/>
+          </a:xfrm>
+          <a:prstGeom prst="line">
+            <a:avLst/>
+          </a:prstGeom>
+          <a:ln>
+            <a:solidFill>
+              <a:schemeClr val="dk1"/>
+            </a:solidFill>
+          </a:ln>
+        </p:spPr>
+        <p:style>
+          <a:lnRef idx="1">
+            <a:schemeClr val="accent1"/>
+          </a:lnRef>
+          <a:fillRef idx="0">
+            <a:schemeClr val="accent1"/>
+          </a:fillRef>
+          <a:effectRef idx="0">
+            <a:schemeClr val="accent1"/>
+          </a:effectRef>
+          <a:fontRef idx="minor">
+            <a:schemeClr val="tx1"/>
+          </a:fontRef>
+        </p:style>
+      </p:cxnSp>
+      <p:sp>
+        <p:nvSpPr>
+          <p:cNvPr id="1017" name="직사각형 1016"/>
           <p:cNvSpPr/>
           <p:nvPr/>
         </p:nvSpPr>
         <p:spPr>
           <a:xfrm>
-            <a:off x="20375844" y="21583572"/>
+            <a:off x="7159851" y="19615696"/>
             <a:ext cx="3060382" cy="684085"/>
           </a:xfrm>
           <a:prstGeom prst="rect">
@@ -7158,90 +7292,21 @@
             </a:pPr>
             <a:r>
               <a:rPr lang="ko-KR" altLang="en-US" sz="2600" b="1"/>
-              <a:t>건의사항 검색</a:t>
-            </a:r>
-          </a:p>
-        </p:txBody>
-      </p:sp>
-      <p:cxnSp>
-        <p:nvCxnSpPr>
-          <p:cNvPr id="1469" name="연결선: 꺾임 1468"/>
-          <p:cNvCxnSpPr/>
-          <p:nvPr/>
-        </p:nvCxnSpPr>
-        <p:spPr>
-          <a:xfrm rot="10800000">
-            <a:off x="20805352" y="24172270"/>
-            <a:ext cx="506266" cy="1571690"/>
-          </a:xfrm>
-          <a:prstGeom prst="bentConnector2">
-            <a:avLst/>
-          </a:prstGeom>
-          <a:ln>
-            <a:solidFill>
-              <a:schemeClr val="dk1"/>
-            </a:solidFill>
-          </a:ln>
-        </p:spPr>
-        <p:style>
-          <a:lnRef idx="1">
-            <a:schemeClr val="accent1"/>
-          </a:lnRef>
-          <a:fillRef idx="0">
-            <a:schemeClr val="accent1"/>
-          </a:fillRef>
-          <a:effectRef idx="0">
-            <a:schemeClr val="accent1"/>
-          </a:effectRef>
-          <a:fontRef idx="minor">
-            <a:schemeClr val="tx1"/>
-          </a:fontRef>
-        </p:style>
-      </p:cxnSp>
-      <p:cxnSp>
-        <p:nvCxnSpPr>
-          <p:cNvPr id="1470" name="직선 연결선 1469"/>
-          <p:cNvCxnSpPr/>
-          <p:nvPr/>
-        </p:nvCxnSpPr>
-        <p:spPr>
-          <a:xfrm rot="10800000">
-            <a:off x="20805350" y="24754926"/>
-            <a:ext cx="506268" cy="0"/>
-          </a:xfrm>
-          <a:prstGeom prst="line">
-            <a:avLst/>
-          </a:prstGeom>
-          <a:ln>
-            <a:solidFill>
-              <a:schemeClr val="dk1"/>
-            </a:solidFill>
-          </a:ln>
-        </p:spPr>
-        <p:style>
-          <a:lnRef idx="1">
-            <a:schemeClr val="accent1"/>
-          </a:lnRef>
-          <a:fillRef idx="0">
-            <a:schemeClr val="accent1"/>
-          </a:fillRef>
-          <a:effectRef idx="0">
-            <a:schemeClr val="accent1"/>
-          </a:effectRef>
-          <a:fontRef idx="minor">
-            <a:schemeClr val="tx1"/>
-          </a:fontRef>
-        </p:style>
-      </p:cxnSp>
-      <p:sp>
-        <p:nvSpPr>
-          <p:cNvPr id="1017" name="직사각형 1016"/>
+              <a:t>공지사항</a:t>
+            </a:r>
+            <a:endParaRPr lang="ko-KR" altLang="en-US" sz="2600" b="1"/>
+          </a:p>
+        </p:txBody>
+      </p:sp>
+      <p:sp>
+        <p:nvSpPr>
+          <p:cNvPr id="1044" name="직사각형 1043"/>
           <p:cNvSpPr/>
           <p:nvPr/>
         </p:nvSpPr>
         <p:spPr>
           <a:xfrm>
-            <a:off x="7159851" y="19615696"/>
+            <a:off x="9164227" y="23554962"/>
             <a:ext cx="3060382" cy="684085"/>
           </a:xfrm>
           <a:prstGeom prst="rect">
@@ -7286,20 +7351,21 @@
             </a:pPr>
             <a:r>
               <a:rPr lang="ko-KR" altLang="en-US" sz="2600" b="1"/>
-              <a:t>공지사항</a:t>
-            </a:r>
-          </a:p>
-        </p:txBody>
-      </p:sp>
-      <p:sp>
-        <p:nvSpPr>
-          <p:cNvPr id="1044" name="직사각형 1043"/>
+              <a:t>공지사항 상세보기</a:t>
+            </a:r>
+            <a:endParaRPr lang="ko-KR" altLang="en-US" sz="2600" b="1"/>
+          </a:p>
+        </p:txBody>
+      </p:sp>
+      <p:sp>
+        <p:nvSpPr>
+          <p:cNvPr id="1112" name="직사각형 1111"/>
           <p:cNvSpPr/>
           <p:nvPr/>
         </p:nvSpPr>
         <p:spPr>
           <a:xfrm>
-            <a:off x="9164227" y="23554962"/>
+            <a:off x="8056943" y="20638446"/>
             <a:ext cx="3060382" cy="684085"/>
           </a:xfrm>
           <a:prstGeom prst="rect">
@@ -7344,45 +7410,43 @@
             </a:pPr>
             <a:r>
               <a:rPr lang="ko-KR" altLang="en-US" sz="2600" b="1"/>
-              <a:t>공지사항 상세보기</a:t>
-            </a:r>
-          </a:p>
-        </p:txBody>
-      </p:sp>
-      <p:sp>
-        <p:nvSpPr>
-          <p:cNvPr id="1112" name="직사각형 1111"/>
+              <a:t>공지사항 조회</a:t>
+            </a:r>
+            <a:endParaRPr lang="en-US" altLang="ko-KR" sz="2600" b="1"/>
+          </a:p>
+        </p:txBody>
+      </p:sp>
+      <p:sp>
+        <p:nvSpPr>
+          <p:cNvPr id="1244" name="직사각형 1243"/>
           <p:cNvSpPr/>
           <p:nvPr/>
         </p:nvSpPr>
         <p:spPr>
           <a:xfrm>
-            <a:off x="8056943" y="20638446"/>
+            <a:off x="9834260" y="24508606"/>
             <a:ext cx="3060382" cy="684085"/>
           </a:xfrm>
           <a:prstGeom prst="rect">
             <a:avLst/>
           </a:prstGeom>
-          <a:solidFill>
-            <a:srgbClr val="808080"/>
-          </a:solidFill>
-          <a:ln>
-            <a:solidFill>
-              <a:srgbClr val="595959"/>
+          <a:ln>
+            <a:solidFill>
+              <a:srgbClr val="008000"/>
             </a:solidFill>
           </a:ln>
         </p:spPr>
         <p:style>
           <a:lnRef idx="2">
-            <a:schemeClr val="accent5">
+            <a:schemeClr val="accent6">
               <a:shade val="50000"/>
             </a:schemeClr>
           </a:lnRef>
           <a:fillRef idx="1">
-            <a:schemeClr val="accent5"/>
-          </a:fillRef>
-          <a:effectRef idx="0">
-            <a:schemeClr val="accent5"/>
+            <a:schemeClr val="accent6"/>
+          </a:fillRef>
+          <a:effectRef idx="0">
+            <a:schemeClr val="accent6"/>
           </a:effectRef>
           <a:fontRef idx="minor">
             <a:schemeClr val="lt1"/>
@@ -7402,7 +7466,7 @@
             </a:pPr>
             <a:r>
               <a:rPr lang="ko-KR" altLang="en-US" sz="2600" b="1"/>
-              <a:t>공지사항 조회</a:t>
+              <a:t>공지사항 수정</a:t>
             </a:r>
             <a:endParaRPr lang="en-US" altLang="ko-KR" sz="2600" b="1"/>
           </a:p>
@@ -7410,13 +7474,13 @@
       </p:sp>
       <p:sp>
         <p:nvSpPr>
-          <p:cNvPr id="1244" name="직사각형 1243"/>
+          <p:cNvPr id="1245" name="직사각형 1244"/>
           <p:cNvSpPr/>
           <p:nvPr/>
         </p:nvSpPr>
         <p:spPr>
           <a:xfrm>
-            <a:off x="9834260" y="24508606"/>
+            <a:off x="9834260" y="25515464"/>
             <a:ext cx="3060382" cy="684085"/>
           </a:xfrm>
           <a:prstGeom prst="rect">
@@ -7458,43 +7522,116 @@
             </a:pPr>
             <a:r>
               <a:rPr lang="ko-KR" altLang="en-US" sz="2600" b="1"/>
-              <a:t>공지사항 수정</a:t>
+              <a:t>공지사항 삭제</a:t>
             </a:r>
             <a:endParaRPr lang="en-US" altLang="ko-KR" sz="2600" b="1"/>
           </a:p>
         </p:txBody>
       </p:sp>
-      <p:sp>
-        <p:nvSpPr>
-          <p:cNvPr id="1245" name="직사각형 1244"/>
+      <p:cxnSp>
+        <p:nvCxnSpPr>
+          <p:cNvPr id="1498" name="연결선: 꺾임 1497"/>
+          <p:cNvCxnSpPr/>
+          <p:nvPr/>
+        </p:nvCxnSpPr>
+        <p:spPr>
+          <a:xfrm rot="10800000">
+            <a:off x="9340009" y="24288600"/>
+            <a:ext cx="494251" cy="1568912"/>
+          </a:xfrm>
+          <a:prstGeom prst="bentConnector2">
+            <a:avLst/>
+          </a:prstGeom>
+          <a:ln>
+            <a:solidFill>
+              <a:schemeClr val="dk1"/>
+            </a:solidFill>
+          </a:ln>
+        </p:spPr>
+        <p:style>
+          <a:lnRef idx="1">
+            <a:schemeClr val="accent1"/>
+          </a:lnRef>
+          <a:fillRef idx="0">
+            <a:schemeClr val="accent1"/>
+          </a:fillRef>
+          <a:effectRef idx="0">
+            <a:schemeClr val="accent1"/>
+          </a:effectRef>
+          <a:fontRef idx="minor">
+            <a:schemeClr val="tx1"/>
+          </a:fontRef>
+        </p:style>
+      </p:cxnSp>
+      <p:cxnSp>
+        <p:nvCxnSpPr>
+          <p:cNvPr id="1499" name="직선 연결선 1498"/>
+          <p:cNvCxnSpPr/>
+          <p:nvPr/>
+        </p:nvCxnSpPr>
+        <p:spPr>
+          <a:xfrm>
+            <a:off x="9340009" y="24850648"/>
+            <a:ext cx="494251" cy="0"/>
+          </a:xfrm>
+          <a:prstGeom prst="line">
+            <a:avLst/>
+          </a:prstGeom>
+          <a:ln>
+            <a:solidFill>
+              <a:schemeClr val="dk1"/>
+            </a:solidFill>
+          </a:ln>
+        </p:spPr>
+        <p:style>
+          <a:lnRef idx="1">
+            <a:schemeClr val="accent1"/>
+          </a:lnRef>
+          <a:fillRef idx="0">
+            <a:schemeClr val="accent1"/>
+          </a:fillRef>
+          <a:effectRef idx="0">
+            <a:schemeClr val="accent1"/>
+          </a:effectRef>
+          <a:fontRef idx="minor">
+            <a:schemeClr val="tx1"/>
+          </a:fontRef>
+        </p:style>
+      </p:cxnSp>
+      <p:sp>
+        <p:nvSpPr>
+          <p:cNvPr id="1119" name="직사각형 1118"/>
           <p:cNvSpPr/>
           <p:nvPr/>
         </p:nvSpPr>
         <p:spPr>
           <a:xfrm>
-            <a:off x="9834260" y="25515464"/>
+            <a:off x="12834378" y="19666290"/>
             <a:ext cx="3060382" cy="684085"/>
           </a:xfrm>
           <a:prstGeom prst="rect">
             <a:avLst/>
           </a:prstGeom>
-          <a:ln>
-            <a:solidFill>
-              <a:srgbClr val="008000"/>
+          <a:solidFill>
+            <a:srgbClr val="808080"/>
+          </a:solidFill>
+          <a:ln>
+            <a:solidFill>
+              <a:srgbClr val="595959"/>
             </a:solidFill>
           </a:ln>
         </p:spPr>
         <p:style>
           <a:lnRef idx="2">
-            <a:schemeClr val="accent6">
+            <a:schemeClr val="accent5">
               <a:shade val="50000"/>
             </a:schemeClr>
           </a:lnRef>
           <a:fillRef idx="1">
-            <a:schemeClr val="accent6"/>
-          </a:fillRef>
-          <a:effectRef idx="0">
-            <a:schemeClr val="accent6"/>
+            <a:schemeClr val="accent5"/>
+          </a:fillRef>
+          <a:effectRef idx="0">
+            <a:schemeClr val="accent5"/>
           </a:effectRef>
           <a:fontRef idx="minor">
             <a:schemeClr val="lt1"/>
@@ -7514,91 +7651,21 @@
             </a:pPr>
             <a:r>
               <a:rPr lang="ko-KR" altLang="en-US" sz="2600" b="1"/>
-              <a:t>공지사항 삭제</a:t>
-            </a:r>
-            <a:endParaRPr lang="en-US" altLang="ko-KR" sz="2600" b="1"/>
-          </a:p>
-        </p:txBody>
-      </p:sp>
-      <p:cxnSp>
-        <p:nvCxnSpPr>
-          <p:cNvPr id="1498" name="연결선: 꺾임 1497"/>
-          <p:cNvCxnSpPr/>
-          <p:nvPr/>
-        </p:nvCxnSpPr>
-        <p:spPr>
-          <a:xfrm rot="10800000">
-            <a:off x="9340009" y="24288600"/>
-            <a:ext cx="494251" cy="1568912"/>
-          </a:xfrm>
-          <a:prstGeom prst="bentConnector2">
-            <a:avLst/>
-          </a:prstGeom>
-          <a:ln>
-            <a:solidFill>
-              <a:schemeClr val="dk1"/>
-            </a:solidFill>
-          </a:ln>
-        </p:spPr>
-        <p:style>
-          <a:lnRef idx="1">
-            <a:schemeClr val="accent1"/>
-          </a:lnRef>
-          <a:fillRef idx="0">
-            <a:schemeClr val="accent1"/>
-          </a:fillRef>
-          <a:effectRef idx="0">
-            <a:schemeClr val="accent1"/>
-          </a:effectRef>
-          <a:fontRef idx="minor">
-            <a:schemeClr val="tx1"/>
-          </a:fontRef>
-        </p:style>
-      </p:cxnSp>
-      <p:cxnSp>
-        <p:nvCxnSpPr>
-          <p:cNvPr id="1499" name="직선 연결선 1498"/>
-          <p:cNvCxnSpPr/>
-          <p:nvPr/>
-        </p:nvCxnSpPr>
-        <p:spPr>
-          <a:xfrm>
-            <a:off x="9340009" y="24850648"/>
-            <a:ext cx="494251" cy="0"/>
-          </a:xfrm>
-          <a:prstGeom prst="line">
-            <a:avLst/>
-          </a:prstGeom>
-          <a:ln>
-            <a:solidFill>
-              <a:schemeClr val="dk1"/>
-            </a:solidFill>
-          </a:ln>
-        </p:spPr>
-        <p:style>
-          <a:lnRef idx="1">
-            <a:schemeClr val="accent1"/>
-          </a:lnRef>
-          <a:fillRef idx="0">
-            <a:schemeClr val="accent1"/>
-          </a:fillRef>
-          <a:effectRef idx="0">
-            <a:schemeClr val="accent1"/>
-          </a:effectRef>
-          <a:fontRef idx="minor">
-            <a:schemeClr val="tx1"/>
-          </a:fontRef>
-        </p:style>
-      </p:cxnSp>
-      <p:sp>
-        <p:nvSpPr>
-          <p:cNvPr id="1119" name="직사각형 1118"/>
+              <a:t>습득물 게시판</a:t>
+            </a:r>
+            <a:endParaRPr lang="ko-KR" altLang="en-US" sz="2600" b="1"/>
+          </a:p>
+        </p:txBody>
+      </p:sp>
+      <p:sp>
+        <p:nvSpPr>
+          <p:cNvPr id="1120" name="직사각형 1119"/>
           <p:cNvSpPr/>
           <p:nvPr/>
         </p:nvSpPr>
         <p:spPr>
           <a:xfrm>
-            <a:off x="12834378" y="19666290"/>
+            <a:off x="13672253" y="20649132"/>
             <a:ext cx="3060382" cy="684085"/>
           </a:xfrm>
           <a:prstGeom prst="rect">
@@ -7643,20 +7710,21 @@
             </a:pPr>
             <a:r>
               <a:rPr lang="ko-KR" altLang="en-US" sz="2600" b="1"/>
-              <a:t>습득물 게시판</a:t>
-            </a:r>
-          </a:p>
-        </p:txBody>
-      </p:sp>
-      <p:sp>
-        <p:nvSpPr>
-          <p:cNvPr id="1120" name="직사각형 1119"/>
+              <a:t>게시글 조회</a:t>
+            </a:r>
+            <a:endParaRPr lang="en-US" altLang="ko-KR" sz="2600" b="1"/>
+          </a:p>
+        </p:txBody>
+      </p:sp>
+      <p:sp>
+        <p:nvSpPr>
+          <p:cNvPr id="1121" name="직사각형 1120"/>
           <p:cNvSpPr/>
           <p:nvPr/>
         </p:nvSpPr>
         <p:spPr>
           <a:xfrm>
-            <a:off x="13672253" y="20649132"/>
+            <a:off x="14728668" y="23583102"/>
             <a:ext cx="3060382" cy="684085"/>
           </a:xfrm>
           <a:prstGeom prst="rect">
@@ -7700,8 +7768,16 @@
               <a:defRPr/>
             </a:pPr>
             <a:r>
+              <a:rPr lang="ko-KR" altLang="en-US" sz="2500" b="1"/>
+              <a:t>게시글</a:t>
+            </a:r>
+            <a:r>
+              <a:rPr lang="en-US" altLang="ko-KR" sz="2600" b="1"/>
+              <a:t> </a:t>
+            </a:r>
+            <a:r>
               <a:rPr lang="ko-KR" altLang="en-US" sz="2600" b="1"/>
-              <a:t>게시글 조회</a:t>
+              <a:t>상세보기</a:t>
             </a:r>
             <a:endParaRPr lang="en-US" altLang="ko-KR" sz="2600" b="1"/>
           </a:p>
@@ -7709,13 +7785,13 @@
       </p:sp>
       <p:sp>
         <p:nvSpPr>
-          <p:cNvPr id="1121" name="직사각형 1120"/>
+          <p:cNvPr id="1186" name="직사각형 1185"/>
           <p:cNvSpPr/>
           <p:nvPr/>
         </p:nvSpPr>
         <p:spPr>
           <a:xfrm>
-            <a:off x="14728668" y="23583102"/>
+            <a:off x="14728669" y="21636488"/>
             <a:ext cx="3060382" cy="684085"/>
           </a:xfrm>
           <a:prstGeom prst="rect">
@@ -7759,55 +7835,44 @@
               <a:defRPr/>
             </a:pPr>
             <a:r>
-              <a:rPr lang="ko-KR" altLang="en-US" sz="2500" b="1" dirty="0"/>
-              <a:t>게시글</a:t>
-            </a:r>
-            <a:r>
-              <a:rPr lang="en-US" altLang="ko-KR" sz="2600" b="1" dirty="0"/>
-              <a:t> </a:t>
-            </a:r>
-            <a:r>
-              <a:rPr lang="ko-KR" altLang="en-US" sz="2600" b="1" dirty="0"/>
-              <a:t>상세보기</a:t>
-            </a:r>
-            <a:endParaRPr lang="en-US" altLang="ko-KR" sz="2600" b="1" dirty="0"/>
-          </a:p>
-        </p:txBody>
-      </p:sp>
-      <p:sp>
-        <p:nvSpPr>
-          <p:cNvPr id="1186" name="직사각형 1185"/>
+              <a:rPr lang="ko-KR" altLang="en-US" sz="2600" b="1"/>
+              <a:t>게시글 검색</a:t>
+            </a:r>
+            <a:endParaRPr lang="ko-KR" altLang="en-US" sz="2600" b="1"/>
+          </a:p>
+        </p:txBody>
+      </p:sp>
+      <p:sp>
+        <p:nvSpPr>
+          <p:cNvPr id="1225" name="직사각형 1224"/>
           <p:cNvSpPr/>
           <p:nvPr/>
         </p:nvSpPr>
         <p:spPr>
           <a:xfrm>
-            <a:off x="14728669" y="21636488"/>
+            <a:off x="14728665" y="22661032"/>
             <a:ext cx="3060382" cy="684085"/>
           </a:xfrm>
           <a:prstGeom prst="rect">
             <a:avLst/>
           </a:prstGeom>
-          <a:solidFill>
-            <a:srgbClr val="808080"/>
-          </a:solidFill>
-          <a:ln>
-            <a:solidFill>
-              <a:srgbClr val="595959"/>
+          <a:ln>
+            <a:solidFill>
+              <a:srgbClr val="008000"/>
             </a:solidFill>
           </a:ln>
         </p:spPr>
         <p:style>
           <a:lnRef idx="2">
-            <a:schemeClr val="accent5">
+            <a:schemeClr val="accent6">
               <a:shade val="50000"/>
             </a:schemeClr>
           </a:lnRef>
           <a:fillRef idx="1">
-            <a:schemeClr val="accent5"/>
-          </a:fillRef>
-          <a:effectRef idx="0">
-            <a:schemeClr val="accent5"/>
+            <a:schemeClr val="accent6"/>
+          </a:fillRef>
+          <a:effectRef idx="0">
+            <a:schemeClr val="accent6"/>
           </a:effectRef>
           <a:fontRef idx="minor">
             <a:schemeClr val="lt1"/>
@@ -7827,20 +7892,21 @@
             </a:pPr>
             <a:r>
               <a:rPr lang="ko-KR" altLang="en-US" sz="2600" b="1"/>
-              <a:t>게시글 검색</a:t>
-            </a:r>
-          </a:p>
-        </p:txBody>
-      </p:sp>
-      <p:sp>
-        <p:nvSpPr>
-          <p:cNvPr id="1225" name="직사각형 1224"/>
+              <a:t>게시글 등록</a:t>
+            </a:r>
+            <a:endParaRPr lang="ko-KR" altLang="en-US" sz="2600" b="1"/>
+          </a:p>
+        </p:txBody>
+      </p:sp>
+      <p:sp>
+        <p:nvSpPr>
+          <p:cNvPr id="1227" name="직사각형 1226"/>
           <p:cNvSpPr/>
           <p:nvPr/>
         </p:nvSpPr>
         <p:spPr>
           <a:xfrm>
-            <a:off x="14728665" y="22661032"/>
+            <a:off x="15713633" y="24541204"/>
             <a:ext cx="3060382" cy="684085"/>
           </a:xfrm>
           <a:prstGeom prst="rect">
@@ -7882,20 +7948,21 @@
             </a:pPr>
             <a:r>
               <a:rPr lang="ko-KR" altLang="en-US" sz="2600" b="1"/>
-              <a:t>게시글 등록</a:t>
-            </a:r>
-          </a:p>
-        </p:txBody>
-      </p:sp>
-      <p:sp>
-        <p:nvSpPr>
-          <p:cNvPr id="1227" name="직사각형 1226"/>
+              <a:t>게시글 수정</a:t>
+            </a:r>
+            <a:endParaRPr lang="ko-KR" altLang="en-US" sz="2600" b="1"/>
+          </a:p>
+        </p:txBody>
+      </p:sp>
+      <p:sp>
+        <p:nvSpPr>
+          <p:cNvPr id="1228" name="직사각형 1227"/>
           <p:cNvSpPr/>
           <p:nvPr/>
         </p:nvSpPr>
         <p:spPr>
           <a:xfrm>
-            <a:off x="15713633" y="24541204"/>
+            <a:off x="15713633" y="25548060"/>
             <a:ext cx="3060382" cy="684085"/>
           </a:xfrm>
           <a:prstGeom prst="rect">
@@ -7937,42 +8004,109 @@
             </a:pPr>
             <a:r>
               <a:rPr lang="ko-KR" altLang="en-US" sz="2600" b="1"/>
-              <a:t>게시글 수정</a:t>
-            </a:r>
-          </a:p>
-        </p:txBody>
-      </p:sp>
-      <p:sp>
-        <p:nvSpPr>
-          <p:cNvPr id="1228" name="직사각형 1227"/>
+              <a:t>게시글 삭제</a:t>
+            </a:r>
+            <a:endParaRPr lang="ko-KR" altLang="en-US" sz="2600" b="1"/>
+          </a:p>
+        </p:txBody>
+      </p:sp>
+      <p:cxnSp>
+        <p:nvCxnSpPr>
+          <p:cNvPr id="1514" name="연결선: 꺾임 1513"/>
+          <p:cNvCxnSpPr/>
+          <p:nvPr/>
+        </p:nvCxnSpPr>
+        <p:spPr>
+          <a:xfrm rot="10800000">
+            <a:off x="15196726" y="24267186"/>
+            <a:ext cx="516902" cy="1622928"/>
+          </a:xfrm>
+          <a:prstGeom prst="bentConnector2">
+            <a:avLst/>
+          </a:prstGeom>
+          <a:ln>
+            <a:solidFill>
+              <a:schemeClr val="dk1"/>
+            </a:solidFill>
+          </a:ln>
+        </p:spPr>
+        <p:style>
+          <a:lnRef idx="1">
+            <a:schemeClr val="accent1"/>
+          </a:lnRef>
+          <a:fillRef idx="0">
+            <a:schemeClr val="accent1"/>
+          </a:fillRef>
+          <a:effectRef idx="0">
+            <a:schemeClr val="accent1"/>
+          </a:effectRef>
+          <a:fontRef idx="minor">
+            <a:schemeClr val="tx1"/>
+          </a:fontRef>
+        </p:style>
+      </p:cxnSp>
+      <p:cxnSp>
+        <p:nvCxnSpPr>
+          <p:cNvPr id="1515" name="직선 연결선 1514"/>
+          <p:cNvCxnSpPr/>
+          <p:nvPr/>
+        </p:nvCxnSpPr>
+        <p:spPr>
+          <a:xfrm rot="10800000">
+            <a:off x="15196725" y="24883244"/>
+            <a:ext cx="516907" cy="4"/>
+          </a:xfrm>
+          <a:prstGeom prst="line">
+            <a:avLst/>
+          </a:prstGeom>
+          <a:ln>
+            <a:solidFill>
+              <a:schemeClr val="dk1"/>
+            </a:solidFill>
+          </a:ln>
+        </p:spPr>
+        <p:style>
+          <a:lnRef idx="1">
+            <a:schemeClr val="accent1"/>
+          </a:lnRef>
+          <a:fillRef idx="0">
+            <a:schemeClr val="accent1"/>
+          </a:fillRef>
+          <a:effectRef idx="0">
+            <a:schemeClr val="accent1"/>
+          </a:effectRef>
+          <a:fontRef idx="minor">
+            <a:schemeClr val="tx1"/>
+          </a:fontRef>
+        </p:style>
+      </p:cxnSp>
+      <p:sp>
+        <p:nvSpPr>
+          <p:cNvPr id="1054" name="직사각형 1053"/>
           <p:cNvSpPr/>
           <p:nvPr/>
         </p:nvSpPr>
         <p:spPr>
           <a:xfrm>
-            <a:off x="15713633" y="25548060"/>
+            <a:off x="33293804" y="10355059"/>
             <a:ext cx="3060382" cy="684085"/>
           </a:xfrm>
           <a:prstGeom prst="rect">
             <a:avLst/>
           </a:prstGeom>
-          <a:ln>
-            <a:solidFill>
-              <a:srgbClr val="008000"/>
-            </a:solidFill>
-          </a:ln>
+          <a:ln/>
         </p:spPr>
         <p:style>
           <a:lnRef idx="2">
-            <a:schemeClr val="accent6">
+            <a:schemeClr val="accent4">
               <a:shade val="50000"/>
             </a:schemeClr>
           </a:lnRef>
           <a:fillRef idx="1">
-            <a:schemeClr val="accent6"/>
-          </a:fillRef>
-          <a:effectRef idx="0">
-            <a:schemeClr val="accent6"/>
+            <a:schemeClr val="accent4"/>
+          </a:fillRef>
+          <a:effectRef idx="0">
+            <a:schemeClr val="accent4"/>
           </a:effectRef>
           <a:fontRef idx="minor">
             <a:schemeClr val="lt1"/>
@@ -7991,92 +8125,31 @@
               <a:defRPr/>
             </a:pPr>
             <a:r>
-              <a:rPr lang="ko-KR" altLang="en-US" sz="2600" b="1"/>
-              <a:t>게시글 삭제</a:t>
-            </a:r>
-          </a:p>
-        </p:txBody>
-      </p:sp>
-      <p:cxnSp>
-        <p:nvCxnSpPr>
-          <p:cNvPr id="1514" name="연결선: 꺾임 1513"/>
-          <p:cNvCxnSpPr/>
-          <p:nvPr/>
-        </p:nvCxnSpPr>
-        <p:spPr>
-          <a:xfrm rot="10800000">
-            <a:off x="15196726" y="24267186"/>
-            <a:ext cx="516902" cy="1622928"/>
-          </a:xfrm>
-          <a:prstGeom prst="bentConnector2">
-            <a:avLst/>
-          </a:prstGeom>
-          <a:ln>
-            <a:solidFill>
-              <a:schemeClr val="dk1"/>
-            </a:solidFill>
-          </a:ln>
-        </p:spPr>
-        <p:style>
-          <a:lnRef idx="1">
-            <a:schemeClr val="accent1"/>
-          </a:lnRef>
-          <a:fillRef idx="0">
-            <a:schemeClr val="accent1"/>
-          </a:fillRef>
-          <a:effectRef idx="0">
-            <a:schemeClr val="accent1"/>
-          </a:effectRef>
-          <a:fontRef idx="minor">
-            <a:schemeClr val="tx1"/>
-          </a:fontRef>
-        </p:style>
-      </p:cxnSp>
-      <p:cxnSp>
-        <p:nvCxnSpPr>
-          <p:cNvPr id="1515" name="직선 연결선 1514"/>
-          <p:cNvCxnSpPr/>
-          <p:nvPr/>
-        </p:nvCxnSpPr>
-        <p:spPr>
-          <a:xfrm rot="10800000">
-            <a:off x="15196725" y="24883244"/>
-            <a:ext cx="516907" cy="4"/>
-          </a:xfrm>
-          <a:prstGeom prst="line">
-            <a:avLst/>
-          </a:prstGeom>
-          <a:ln>
-            <a:solidFill>
-              <a:schemeClr val="dk1"/>
-            </a:solidFill>
-          </a:ln>
-        </p:spPr>
-        <p:style>
-          <a:lnRef idx="1">
-            <a:schemeClr val="accent1"/>
-          </a:lnRef>
-          <a:fillRef idx="0">
-            <a:schemeClr val="accent1"/>
-          </a:fillRef>
-          <a:effectRef idx="0">
-            <a:schemeClr val="accent1"/>
-          </a:effectRef>
-          <a:fontRef idx="minor">
-            <a:schemeClr val="tx1"/>
-          </a:fontRef>
-        </p:style>
-      </p:cxnSp>
-      <p:sp>
-        <p:nvSpPr>
-          <p:cNvPr id="1054" name="직사각형 1053"/>
+              <a:rPr lang="ko-KR" altLang="en-US" sz="2600" b="1">
+                <a:solidFill>
+                  <a:schemeClr val="bg1"/>
+                </a:solidFill>
+              </a:rPr>
+              <a:t>내 정보 조회 </a:t>
+            </a:r>
+            <a:endParaRPr lang="ko-KR" altLang="en-US" sz="2600" b="1">
+              <a:solidFill>
+                <a:schemeClr val="bg1"/>
+              </a:solidFill>
+            </a:endParaRPr>
+          </a:p>
+        </p:txBody>
+      </p:sp>
+      <p:sp>
+        <p:nvSpPr>
+          <p:cNvPr id="1056" name="직사각형 1055"/>
           <p:cNvSpPr/>
           <p:nvPr/>
         </p:nvSpPr>
         <p:spPr>
           <a:xfrm>
-            <a:off x="33293804" y="10355059"/>
-            <a:ext cx="3060382" cy="684085"/>
+            <a:off x="33968692" y="11342214"/>
+            <a:ext cx="3060382" cy="897698"/>
           </a:xfrm>
           <a:prstGeom prst="rect">
             <a:avLst/>
@@ -8112,26 +8185,33 @@
               <a:defRPr/>
             </a:pPr>
             <a:r>
-              <a:rPr lang="ko-KR" altLang="en-US" sz="2600" b="1">
-                <a:solidFill>
-                  <a:schemeClr val="bg1"/>
-                </a:solidFill>
-              </a:rPr>
-              <a:t>내 정보 조회 </a:t>
-            </a:r>
-          </a:p>
-        </p:txBody>
-      </p:sp>
-      <p:sp>
-        <p:nvSpPr>
-          <p:cNvPr id="1056" name="직사각형 1055"/>
+              <a:rPr lang="ko-KR" altLang="en-US" sz="2500" b="1"/>
+              <a:t>내 정보</a:t>
+            </a:r>
+            <a:endParaRPr lang="ko-KR" altLang="en-US" sz="2500" b="1"/>
+          </a:p>
+          <a:p>
+            <a:pPr algn="ctr">
+              <a:defRPr/>
+            </a:pPr>
+            <a:r>
+              <a:rPr lang="ko-KR" altLang="en-US" sz="2500" b="1"/>
+              <a:t>상세보기 </a:t>
+            </a:r>
+            <a:endParaRPr lang="ko-KR" altLang="en-US" sz="2500" b="1"/>
+          </a:p>
+        </p:txBody>
+      </p:sp>
+      <p:sp>
+        <p:nvSpPr>
+          <p:cNvPr id="1057" name="직사각형 1056"/>
           <p:cNvSpPr/>
           <p:nvPr/>
         </p:nvSpPr>
         <p:spPr>
           <a:xfrm>
-            <a:off x="33968692" y="11342214"/>
-            <a:ext cx="3060382" cy="897698"/>
+            <a:off x="34830052" y="13500097"/>
+            <a:ext cx="3060382" cy="684085"/>
           </a:xfrm>
           <a:prstGeom prst="rect">
             <a:avLst/>
@@ -8167,30 +8247,30 @@
               <a:defRPr/>
             </a:pPr>
             <a:r>
-              <a:rPr lang="ko-KR" altLang="en-US" sz="2500" b="1"/>
+              <a:rPr lang="ko-KR" altLang="en-US" sz="2600" b="1"/>
               <a:t>내 정보</a:t>
             </a:r>
-          </a:p>
-          <a:p>
-            <a:pPr algn="ctr">
-              <a:defRPr/>
-            </a:pPr>
-            <a:r>
-              <a:rPr lang="ko-KR" altLang="en-US" sz="2500" b="1"/>
-              <a:t>상세보기 </a:t>
-            </a:r>
-          </a:p>
-        </p:txBody>
-      </p:sp>
-      <p:sp>
-        <p:nvSpPr>
-          <p:cNvPr id="1057" name="직사각형 1056"/>
+            <a:r>
+              <a:rPr lang="en-US" altLang="ko-KR" sz="2600" b="1"/>
+              <a:t> </a:t>
+            </a:r>
+            <a:r>
+              <a:rPr lang="ko-KR" altLang="en-US" sz="2600" b="1"/>
+              <a:t>변경 </a:t>
+            </a:r>
+            <a:endParaRPr lang="ko-KR" altLang="en-US" sz="2600" b="1"/>
+          </a:p>
+        </p:txBody>
+      </p:sp>
+      <p:sp>
+        <p:nvSpPr>
+          <p:cNvPr id="1059" name="직사각형 1058"/>
           <p:cNvSpPr/>
           <p:nvPr/>
         </p:nvSpPr>
         <p:spPr>
           <a:xfrm>
-            <a:off x="34830052" y="13500097"/>
+            <a:off x="34824004" y="12530646"/>
             <a:ext cx="3060382" cy="684085"/>
           </a:xfrm>
           <a:prstGeom prst="rect">
@@ -8228,28 +8308,126 @@
             </a:pPr>
             <a:r>
               <a:rPr lang="ko-KR" altLang="en-US" sz="2600" b="1"/>
-              <a:t>내 정보</a:t>
-            </a:r>
-            <a:r>
-              <a:rPr lang="en-US" altLang="ko-KR" sz="2600" b="1"/>
-              <a:t> </a:t>
-            </a:r>
-            <a:r>
-              <a:rPr lang="ko-KR" altLang="en-US" sz="2600" b="1"/>
-              <a:t>변경 </a:t>
-            </a:r>
-          </a:p>
-        </p:txBody>
-      </p:sp>
-      <p:sp>
-        <p:nvSpPr>
-          <p:cNvPr id="1059" name="직사각형 1058"/>
+              <a:t>회원 탈퇴</a:t>
+            </a:r>
+            <a:endParaRPr lang="ko-KR" altLang="en-US" sz="2600" b="1"/>
+          </a:p>
+        </p:txBody>
+      </p:sp>
+      <p:cxnSp>
+        <p:nvCxnSpPr>
+          <p:cNvPr id="1524" name="연결선: 꺾임 1523"/>
+          <p:cNvCxnSpPr/>
+          <p:nvPr/>
+        </p:nvCxnSpPr>
+        <p:spPr>
+          <a:xfrm rot="16200000" flipH="1">
+            <a:off x="33395228" y="11136896"/>
+            <a:ext cx="671213" cy="475708"/>
+          </a:xfrm>
+          <a:prstGeom prst="bentConnector2">
+            <a:avLst/>
+          </a:prstGeom>
+          <a:ln>
+            <a:solidFill>
+              <a:schemeClr val="dk1"/>
+            </a:solidFill>
+          </a:ln>
+        </p:spPr>
+        <p:style>
+          <a:lnRef idx="1">
+            <a:schemeClr val="accent1"/>
+          </a:lnRef>
+          <a:fillRef idx="0">
+            <a:schemeClr val="accent1"/>
+          </a:fillRef>
+          <a:effectRef idx="0">
+            <a:schemeClr val="accent1"/>
+          </a:effectRef>
+          <a:fontRef idx="minor">
+            <a:schemeClr val="tx1"/>
+          </a:fontRef>
+        </p:style>
+      </p:cxnSp>
+      <p:cxnSp>
+        <p:nvCxnSpPr>
+          <p:cNvPr id="1525" name="연결선: 꺾임 1524"/>
+          <p:cNvCxnSpPr/>
+          <p:nvPr/>
+        </p:nvCxnSpPr>
+        <p:spPr>
+          <a:xfrm rot="16200000" flipH="1">
+            <a:off x="33826428" y="12838515"/>
+            <a:ext cx="1581444" cy="425804"/>
+          </a:xfrm>
+          <a:prstGeom prst="bentConnector2">
+            <a:avLst/>
+          </a:prstGeom>
+          <a:ln>
+            <a:solidFill>
+              <a:schemeClr val="dk1"/>
+            </a:solidFill>
+          </a:ln>
+        </p:spPr>
+        <p:style>
+          <a:lnRef idx="1">
+            <a:schemeClr val="accent1"/>
+          </a:lnRef>
+          <a:fillRef idx="0">
+            <a:schemeClr val="accent1"/>
+          </a:fillRef>
+          <a:effectRef idx="0">
+            <a:schemeClr val="accent1"/>
+          </a:effectRef>
+          <a:fontRef idx="minor">
+            <a:schemeClr val="tx1"/>
+          </a:fontRef>
+        </p:style>
+      </p:cxnSp>
+      <p:cxnSp>
+        <p:nvCxnSpPr>
+          <p:cNvPr id="1526" name="직선 연결선 1525"/>
+          <p:cNvCxnSpPr/>
+          <p:nvPr/>
+        </p:nvCxnSpPr>
+        <p:spPr>
+          <a:xfrm>
+            <a:off x="34404244" y="12872689"/>
+            <a:ext cx="419760" cy="0"/>
+          </a:xfrm>
+          <a:prstGeom prst="line">
+            <a:avLst/>
+          </a:prstGeom>
+          <a:ln>
+            <a:solidFill>
+              <a:schemeClr val="dk1"/>
+            </a:solidFill>
+          </a:ln>
+        </p:spPr>
+        <p:style>
+          <a:lnRef idx="1">
+            <a:schemeClr val="accent1"/>
+          </a:lnRef>
+          <a:fillRef idx="0">
+            <a:schemeClr val="accent1"/>
+          </a:fillRef>
+          <a:effectRef idx="0">
+            <a:schemeClr val="accent1"/>
+          </a:effectRef>
+          <a:fontRef idx="minor">
+            <a:schemeClr val="tx1"/>
+          </a:fontRef>
+        </p:style>
+      </p:cxnSp>
+      <p:sp>
+        <p:nvSpPr>
+          <p:cNvPr id="1061" name="직사각형 1060"/>
           <p:cNvSpPr/>
           <p:nvPr/>
         </p:nvSpPr>
         <p:spPr>
           <a:xfrm>
-            <a:off x="34824004" y="12530646"/>
+            <a:off x="33840528" y="15010464"/>
             <a:ext cx="3060382" cy="684085"/>
           </a:xfrm>
           <a:prstGeom prst="rect">
@@ -8287,125 +8465,21 @@
             </a:pPr>
             <a:r>
               <a:rPr lang="ko-KR" altLang="en-US" sz="2600" b="1"/>
-              <a:t>회원 탈퇴</a:t>
-            </a:r>
-          </a:p>
-        </p:txBody>
-      </p:sp>
-      <p:cxnSp>
-        <p:nvCxnSpPr>
-          <p:cNvPr id="1524" name="연결선: 꺾임 1523"/>
-          <p:cNvCxnSpPr/>
-          <p:nvPr/>
-        </p:nvCxnSpPr>
-        <p:spPr>
-          <a:xfrm rot="16200000" flipH="1">
-            <a:off x="33395228" y="11136896"/>
-            <a:ext cx="671213" cy="475708"/>
-          </a:xfrm>
-          <a:prstGeom prst="bentConnector2">
-            <a:avLst/>
-          </a:prstGeom>
-          <a:ln>
-            <a:solidFill>
-              <a:schemeClr val="dk1"/>
-            </a:solidFill>
-          </a:ln>
-        </p:spPr>
-        <p:style>
-          <a:lnRef idx="1">
-            <a:schemeClr val="accent1"/>
-          </a:lnRef>
-          <a:fillRef idx="0">
-            <a:schemeClr val="accent1"/>
-          </a:fillRef>
-          <a:effectRef idx="0">
-            <a:schemeClr val="accent1"/>
-          </a:effectRef>
-          <a:fontRef idx="minor">
-            <a:schemeClr val="tx1"/>
-          </a:fontRef>
-        </p:style>
-      </p:cxnSp>
-      <p:cxnSp>
-        <p:nvCxnSpPr>
-          <p:cNvPr id="1525" name="연결선: 꺾임 1524"/>
-          <p:cNvCxnSpPr/>
-          <p:nvPr/>
-        </p:nvCxnSpPr>
-        <p:spPr>
-          <a:xfrm rot="16200000" flipH="1">
-            <a:off x="33826428" y="12838515"/>
-            <a:ext cx="1581444" cy="425804"/>
-          </a:xfrm>
-          <a:prstGeom prst="bentConnector2">
-            <a:avLst/>
-          </a:prstGeom>
-          <a:ln>
-            <a:solidFill>
-              <a:schemeClr val="dk1"/>
-            </a:solidFill>
-          </a:ln>
-        </p:spPr>
-        <p:style>
-          <a:lnRef idx="1">
-            <a:schemeClr val="accent1"/>
-          </a:lnRef>
-          <a:fillRef idx="0">
-            <a:schemeClr val="accent1"/>
-          </a:fillRef>
-          <a:effectRef idx="0">
-            <a:schemeClr val="accent1"/>
-          </a:effectRef>
-          <a:fontRef idx="minor">
-            <a:schemeClr val="tx1"/>
-          </a:fontRef>
-        </p:style>
-      </p:cxnSp>
-      <p:cxnSp>
-        <p:nvCxnSpPr>
-          <p:cNvPr id="1526" name="직선 연결선 1525"/>
-          <p:cNvCxnSpPr/>
-          <p:nvPr/>
-        </p:nvCxnSpPr>
-        <p:spPr>
-          <a:xfrm>
-            <a:off x="34404244" y="12872689"/>
-            <a:ext cx="419760" cy="0"/>
-          </a:xfrm>
-          <a:prstGeom prst="line">
-            <a:avLst/>
-          </a:prstGeom>
-          <a:ln>
-            <a:solidFill>
-              <a:schemeClr val="dk1"/>
-            </a:solidFill>
-          </a:ln>
-        </p:spPr>
-        <p:style>
-          <a:lnRef idx="1">
-            <a:schemeClr val="accent1"/>
-          </a:lnRef>
-          <a:fillRef idx="0">
-            <a:schemeClr val="accent1"/>
-          </a:fillRef>
-          <a:effectRef idx="0">
-            <a:schemeClr val="accent1"/>
-          </a:effectRef>
-          <a:fontRef idx="minor">
-            <a:schemeClr val="tx1"/>
-          </a:fontRef>
-        </p:style>
-      </p:cxnSp>
-      <p:sp>
-        <p:nvSpPr>
-          <p:cNvPr id="1061" name="직사각형 1060"/>
+              <a:t>내 예매 내역</a:t>
+            </a:r>
+            <a:endParaRPr lang="ko-KR" altLang="en-US" sz="2600" b="1"/>
+          </a:p>
+        </p:txBody>
+      </p:sp>
+      <p:sp>
+        <p:nvSpPr>
+          <p:cNvPr id="1067" name="직사각형 1066"/>
           <p:cNvSpPr/>
           <p:nvPr/>
         </p:nvSpPr>
         <p:spPr>
           <a:xfrm>
-            <a:off x="33840528" y="15010464"/>
+            <a:off x="34673040" y="16054924"/>
             <a:ext cx="3060382" cy="684085"/>
           </a:xfrm>
           <a:prstGeom prst="rect">
@@ -8443,20 +8517,21 @@
             </a:pPr>
             <a:r>
               <a:rPr lang="ko-KR" altLang="en-US" sz="2600" b="1"/>
-              <a:t>내 예매 내역</a:t>
-            </a:r>
-          </a:p>
-        </p:txBody>
-      </p:sp>
-      <p:sp>
-        <p:nvSpPr>
-          <p:cNvPr id="1067" name="직사각형 1066"/>
+              <a:t>예매내역 조회</a:t>
+            </a:r>
+            <a:endParaRPr lang="ko-KR" altLang="en-US" sz="2600" b="1"/>
+          </a:p>
+        </p:txBody>
+      </p:sp>
+      <p:sp>
+        <p:nvSpPr>
+          <p:cNvPr id="1091" name="직사각형 1090"/>
           <p:cNvSpPr/>
           <p:nvPr/>
         </p:nvSpPr>
         <p:spPr>
           <a:xfrm>
-            <a:off x="34673040" y="16054924"/>
+            <a:off x="35407588" y="17111432"/>
             <a:ext cx="3060382" cy="684085"/>
           </a:xfrm>
           <a:prstGeom prst="rect">
@@ -8494,20 +8569,21 @@
             </a:pPr>
             <a:r>
               <a:rPr lang="ko-KR" altLang="en-US" sz="2600" b="1"/>
-              <a:t>예매내역 조회</a:t>
-            </a:r>
-          </a:p>
-        </p:txBody>
-      </p:sp>
-      <p:sp>
-        <p:nvSpPr>
-          <p:cNvPr id="1091" name="직사각형 1090"/>
+              <a:t>예매 취소</a:t>
+            </a:r>
+            <a:endParaRPr lang="ko-KR" altLang="en-US" sz="2600" b="1"/>
+          </a:p>
+        </p:txBody>
+      </p:sp>
+      <p:sp>
+        <p:nvSpPr>
+          <p:cNvPr id="1144" name="직사각형 1143"/>
           <p:cNvSpPr/>
           <p:nvPr/>
         </p:nvSpPr>
         <p:spPr>
           <a:xfrm>
-            <a:off x="35407588" y="17111432"/>
+            <a:off x="35407588" y="18154404"/>
             <a:ext cx="3060382" cy="684085"/>
           </a:xfrm>
           <a:prstGeom prst="rect">
@@ -8545,20 +8621,21 @@
             </a:pPr>
             <a:r>
               <a:rPr lang="ko-KR" altLang="en-US" sz="2600" b="1"/>
-              <a:t>예매 취소</a:t>
-            </a:r>
-          </a:p>
-        </p:txBody>
-      </p:sp>
-      <p:sp>
-        <p:nvSpPr>
-          <p:cNvPr id="1144" name="직사각형 1143"/>
+              <a:t>리뷰 작성</a:t>
+            </a:r>
+            <a:endParaRPr lang="ko-KR" altLang="en-US" sz="2600" b="1"/>
+          </a:p>
+        </p:txBody>
+      </p:sp>
+      <p:sp>
+        <p:nvSpPr>
+          <p:cNvPr id="1192" name="직사각형 1191"/>
           <p:cNvSpPr/>
           <p:nvPr/>
         </p:nvSpPr>
         <p:spPr>
           <a:xfrm>
-            <a:off x="35407588" y="18154404"/>
+            <a:off x="35407588" y="19214176"/>
             <a:ext cx="3060382" cy="684085"/>
           </a:xfrm>
           <a:prstGeom prst="rect">
@@ -8596,20 +8673,161 @@
             </a:pPr>
             <a:r>
               <a:rPr lang="ko-KR" altLang="en-US" sz="2600" b="1"/>
-              <a:t>리뷰 작성</a:t>
-            </a:r>
-          </a:p>
-        </p:txBody>
-      </p:sp>
-      <p:sp>
-        <p:nvSpPr>
-          <p:cNvPr id="1192" name="직사각형 1191"/>
+              <a:t>취소 완료</a:t>
+            </a:r>
+            <a:endParaRPr lang="ko-KR" altLang="en-US" sz="2600" b="1"/>
+          </a:p>
+        </p:txBody>
+      </p:sp>
+      <p:cxnSp>
+        <p:nvCxnSpPr>
+          <p:cNvPr id="1527" name="연결선: 꺾임 1526"/>
+          <p:cNvCxnSpPr/>
+          <p:nvPr/>
+        </p:nvCxnSpPr>
+        <p:spPr>
+          <a:xfrm rot="16200000" flipH="1">
+            <a:off x="34058960" y="15782890"/>
+            <a:ext cx="702416" cy="525736"/>
+          </a:xfrm>
+          <a:prstGeom prst="bentConnector2">
+            <a:avLst/>
+          </a:prstGeom>
+          <a:ln>
+            <a:solidFill>
+              <a:schemeClr val="dk1"/>
+            </a:solidFill>
+          </a:ln>
+        </p:spPr>
+        <p:style>
+          <a:lnRef idx="1">
+            <a:schemeClr val="accent1"/>
+          </a:lnRef>
+          <a:fillRef idx="0">
+            <a:schemeClr val="accent1"/>
+          </a:fillRef>
+          <a:effectRef idx="0">
+            <a:schemeClr val="accent1"/>
+          </a:effectRef>
+          <a:fontRef idx="minor">
+            <a:schemeClr val="tx1"/>
+          </a:fontRef>
+        </p:style>
+      </p:cxnSp>
+      <p:cxnSp>
+        <p:nvCxnSpPr>
+          <p:cNvPr id="1528" name="연결선: 꺾임 1527"/>
+          <p:cNvCxnSpPr/>
+          <p:nvPr/>
+        </p:nvCxnSpPr>
+        <p:spPr>
+          <a:xfrm rot="16200000" flipH="1">
+            <a:off x="33777544" y="17926176"/>
+            <a:ext cx="2817208" cy="442878"/>
+          </a:xfrm>
+          <a:prstGeom prst="bentConnector2">
+            <a:avLst/>
+          </a:prstGeom>
+          <a:ln>
+            <a:solidFill>
+              <a:schemeClr val="dk1"/>
+            </a:solidFill>
+          </a:ln>
+        </p:spPr>
+        <p:style>
+          <a:lnRef idx="1">
+            <a:schemeClr val="accent1"/>
+          </a:lnRef>
+          <a:fillRef idx="0">
+            <a:schemeClr val="accent1"/>
+          </a:fillRef>
+          <a:effectRef idx="0">
+            <a:schemeClr val="accent1"/>
+          </a:effectRef>
+          <a:fontRef idx="minor">
+            <a:schemeClr val="tx1"/>
+          </a:fontRef>
+        </p:style>
+      </p:cxnSp>
+      <p:cxnSp>
+        <p:nvCxnSpPr>
+          <p:cNvPr id="1530" name="직선 연결선 1529"/>
+          <p:cNvCxnSpPr/>
+          <p:nvPr/>
+        </p:nvCxnSpPr>
+        <p:spPr>
+          <a:xfrm>
+            <a:off x="34964704" y="17453474"/>
+            <a:ext cx="442880" cy="0"/>
+          </a:xfrm>
+          <a:prstGeom prst="line">
+            <a:avLst/>
+          </a:prstGeom>
+          <a:ln>
+            <a:solidFill>
+              <a:schemeClr val="dk1"/>
+            </a:solidFill>
+          </a:ln>
+        </p:spPr>
+        <p:style>
+          <a:lnRef idx="1">
+            <a:schemeClr val="accent1"/>
+          </a:lnRef>
+          <a:fillRef idx="0">
+            <a:schemeClr val="accent1"/>
+          </a:fillRef>
+          <a:effectRef idx="0">
+            <a:schemeClr val="accent1"/>
+          </a:effectRef>
+          <a:fontRef idx="minor">
+            <a:schemeClr val="tx1"/>
+          </a:fontRef>
+        </p:style>
+      </p:cxnSp>
+      <p:cxnSp>
+        <p:nvCxnSpPr>
+          <p:cNvPr id="1533" name="직선 연결선 1532"/>
+          <p:cNvCxnSpPr/>
+          <p:nvPr/>
+        </p:nvCxnSpPr>
+        <p:spPr>
+          <a:xfrm rot="10800000">
+            <a:off x="34964704" y="18496448"/>
+            <a:ext cx="442880" cy="0"/>
+          </a:xfrm>
+          <a:prstGeom prst="line">
+            <a:avLst/>
+          </a:prstGeom>
+          <a:ln>
+            <a:solidFill>
+              <a:schemeClr val="dk1"/>
+            </a:solidFill>
+          </a:ln>
+        </p:spPr>
+        <p:style>
+          <a:lnRef idx="1">
+            <a:schemeClr val="accent1"/>
+          </a:lnRef>
+          <a:fillRef idx="0">
+            <a:schemeClr val="accent1"/>
+          </a:fillRef>
+          <a:effectRef idx="0">
+            <a:schemeClr val="accent1"/>
+          </a:effectRef>
+          <a:fontRef idx="minor">
+            <a:schemeClr val="tx1"/>
+          </a:fontRef>
+        </p:style>
+      </p:cxnSp>
+      <p:sp>
+        <p:nvSpPr>
+          <p:cNvPr id="1065" name="직사각형 1064"/>
           <p:cNvSpPr/>
           <p:nvPr/>
         </p:nvSpPr>
         <p:spPr>
           <a:xfrm>
-            <a:off x="35407588" y="19214176"/>
+            <a:off x="36730132" y="7699441"/>
             <a:ext cx="3060382" cy="684085"/>
           </a:xfrm>
           <a:prstGeom prst="rect">
@@ -8647,161 +8865,22 @@
             </a:pPr>
             <a:r>
               <a:rPr lang="ko-KR" altLang="en-US" sz="2600" b="1"/>
-              <a:t>취소 완료</a:t>
-            </a:r>
-          </a:p>
-        </p:txBody>
-      </p:sp>
-      <p:cxnSp>
-        <p:nvCxnSpPr>
-          <p:cNvPr id="1527" name="연결선: 꺾임 1526"/>
-          <p:cNvCxnSpPr/>
-          <p:nvPr/>
-        </p:nvCxnSpPr>
-        <p:spPr>
-          <a:xfrm rot="16200000" flipH="1">
-            <a:off x="34058960" y="15782890"/>
-            <a:ext cx="702416" cy="525736"/>
-          </a:xfrm>
-          <a:prstGeom prst="bentConnector2">
-            <a:avLst/>
-          </a:prstGeom>
-          <a:ln>
-            <a:solidFill>
-              <a:schemeClr val="dk1"/>
-            </a:solidFill>
-          </a:ln>
-        </p:spPr>
-        <p:style>
-          <a:lnRef idx="1">
-            <a:schemeClr val="accent1"/>
-          </a:lnRef>
-          <a:fillRef idx="0">
-            <a:schemeClr val="accent1"/>
-          </a:fillRef>
-          <a:effectRef idx="0">
-            <a:schemeClr val="accent1"/>
-          </a:effectRef>
-          <a:fontRef idx="minor">
-            <a:schemeClr val="tx1"/>
-          </a:fontRef>
-        </p:style>
-      </p:cxnSp>
-      <p:cxnSp>
-        <p:nvCxnSpPr>
-          <p:cNvPr id="1528" name="연결선: 꺾임 1527"/>
-          <p:cNvCxnSpPr/>
-          <p:nvPr/>
-        </p:nvCxnSpPr>
-        <p:spPr>
-          <a:xfrm rot="16200000" flipH="1">
-            <a:off x="33777544" y="17926176"/>
-            <a:ext cx="2817208" cy="442878"/>
-          </a:xfrm>
-          <a:prstGeom prst="bentConnector2">
-            <a:avLst/>
-          </a:prstGeom>
-          <a:ln>
-            <a:solidFill>
-              <a:schemeClr val="dk1"/>
-            </a:solidFill>
-          </a:ln>
-        </p:spPr>
-        <p:style>
-          <a:lnRef idx="1">
-            <a:schemeClr val="accent1"/>
-          </a:lnRef>
-          <a:fillRef idx="0">
-            <a:schemeClr val="accent1"/>
-          </a:fillRef>
-          <a:effectRef idx="0">
-            <a:schemeClr val="accent1"/>
-          </a:effectRef>
-          <a:fontRef idx="minor">
-            <a:schemeClr val="tx1"/>
-          </a:fontRef>
-        </p:style>
-      </p:cxnSp>
-      <p:cxnSp>
-        <p:nvCxnSpPr>
-          <p:cNvPr id="1530" name="직선 연결선 1529"/>
-          <p:cNvCxnSpPr/>
-          <p:nvPr/>
-        </p:nvCxnSpPr>
-        <p:spPr>
-          <a:xfrm>
-            <a:off x="34964704" y="17453474"/>
-            <a:ext cx="442880" cy="0"/>
-          </a:xfrm>
-          <a:prstGeom prst="line">
-            <a:avLst/>
-          </a:prstGeom>
-          <a:ln>
-            <a:solidFill>
-              <a:schemeClr val="dk1"/>
-            </a:solidFill>
-          </a:ln>
-        </p:spPr>
-        <p:style>
-          <a:lnRef idx="1">
-            <a:schemeClr val="accent1"/>
-          </a:lnRef>
-          <a:fillRef idx="0">
-            <a:schemeClr val="accent1"/>
-          </a:fillRef>
-          <a:effectRef idx="0">
-            <a:schemeClr val="accent1"/>
-          </a:effectRef>
-          <a:fontRef idx="minor">
-            <a:schemeClr val="tx1"/>
-          </a:fontRef>
-        </p:style>
-      </p:cxnSp>
-      <p:cxnSp>
-        <p:nvCxnSpPr>
-          <p:cNvPr id="1533" name="직선 연결선 1532"/>
-          <p:cNvCxnSpPr/>
-          <p:nvPr/>
-        </p:nvCxnSpPr>
-        <p:spPr>
-          <a:xfrm rot="10800000">
-            <a:off x="34964704" y="18496448"/>
-            <a:ext cx="442880" cy="0"/>
-          </a:xfrm>
-          <a:prstGeom prst="line">
-            <a:avLst/>
-          </a:prstGeom>
-          <a:ln>
-            <a:solidFill>
-              <a:schemeClr val="dk1"/>
-            </a:solidFill>
-          </a:ln>
-        </p:spPr>
-        <p:style>
-          <a:lnRef idx="1">
-            <a:schemeClr val="accent1"/>
-          </a:lnRef>
-          <a:fillRef idx="0">
-            <a:schemeClr val="accent1"/>
-          </a:fillRef>
-          <a:effectRef idx="0">
-            <a:schemeClr val="accent1"/>
-          </a:effectRef>
-          <a:fontRef idx="minor">
-            <a:schemeClr val="tx1"/>
-          </a:fontRef>
-        </p:style>
-      </p:cxnSp>
-      <p:sp>
-        <p:nvSpPr>
-          <p:cNvPr id="1065" name="직사각형 1064"/>
+              <a:t>내 기프티콘</a:t>
+            </a:r>
+            <a:endParaRPr lang="ko-KR" altLang="en-US" sz="2600" b="1"/>
+          </a:p>
+        </p:txBody>
+      </p:sp>
+      <p:sp>
+        <p:nvSpPr>
+          <p:cNvPr id="1084" name="직사각형 1083"/>
           <p:cNvSpPr/>
           <p:nvPr/>
         </p:nvSpPr>
         <p:spPr>
           <a:xfrm>
-            <a:off x="36730132" y="7699441"/>
-            <a:ext cx="3060382" cy="684085"/>
+            <a:off x="38118152" y="9646229"/>
+            <a:ext cx="3060382" cy="890564"/>
           </a:xfrm>
           <a:prstGeom prst="rect">
             <a:avLst/>
@@ -8837,22 +8916,23 @@
               <a:defRPr/>
             </a:pPr>
             <a:r>
-              <a:rPr lang="ko-KR" altLang="en-US" sz="2600" b="1"/>
-              <a:t>내 기프티콘</a:t>
-            </a:r>
-          </a:p>
-        </p:txBody>
-      </p:sp>
-      <p:sp>
-        <p:nvSpPr>
-          <p:cNvPr id="1084" name="직사각형 1083"/>
+              <a:rPr lang="ko-KR" altLang="en-US" sz="2500" b="1"/>
+              <a:t>내 기프티콘 상세보기</a:t>
+            </a:r>
+            <a:endParaRPr lang="ko-KR" altLang="en-US" sz="2500" b="1"/>
+          </a:p>
+        </p:txBody>
+      </p:sp>
+      <p:sp>
+        <p:nvSpPr>
+          <p:cNvPr id="1085" name="직사각형 1084"/>
           <p:cNvSpPr/>
           <p:nvPr/>
         </p:nvSpPr>
         <p:spPr>
           <a:xfrm>
-            <a:off x="38118152" y="9646229"/>
-            <a:ext cx="3060382" cy="890564"/>
+            <a:off x="38864812" y="10790911"/>
+            <a:ext cx="3060382" cy="870906"/>
           </a:xfrm>
           <a:prstGeom prst="rect">
             <a:avLst/>
@@ -8889,21 +8969,29 @@
             </a:pPr>
             <a:r>
               <a:rPr lang="ko-KR" altLang="en-US" sz="2500" b="1"/>
-              <a:t>내 기프티콘 상세보기</a:t>
-            </a:r>
-          </a:p>
-        </p:txBody>
-      </p:sp>
-      <p:sp>
-        <p:nvSpPr>
-          <p:cNvPr id="1085" name="직사각형 1084"/>
+              <a:t>기프티콘</a:t>
+            </a:r>
+            <a:br>
+              <a:rPr lang="en-US" altLang="ko-KR" sz="2500" b="1"/>
+            </a:br>
+            <a:r>
+              <a:rPr lang="ko-KR" altLang="en-US" sz="2500" b="1"/>
+              <a:t>기간 연장</a:t>
+            </a:r>
+            <a:endParaRPr lang="ko-KR" altLang="en-US" sz="2500" b="1"/>
+          </a:p>
+        </p:txBody>
+      </p:sp>
+      <p:sp>
+        <p:nvSpPr>
+          <p:cNvPr id="1086" name="직사각형 1085"/>
           <p:cNvSpPr/>
           <p:nvPr/>
         </p:nvSpPr>
         <p:spPr>
           <a:xfrm>
-            <a:off x="38864812" y="10790911"/>
-            <a:ext cx="3060382" cy="870906"/>
+            <a:off x="38864812" y="11987887"/>
+            <a:ext cx="3060382" cy="684085"/>
           </a:xfrm>
           <a:prstGeom prst="rect">
             <a:avLst/>
@@ -8939,28 +9027,22 @@
               <a:defRPr/>
             </a:pPr>
             <a:r>
-              <a:rPr lang="ko-KR" altLang="en-US" sz="2500" b="1"/>
-              <a:t>기프티콘</a:t>
-            </a:r>
-            <a:br>
-              <a:rPr lang="en-US" altLang="ko-KR" sz="2500" b="1"/>
-            </a:br>
-            <a:r>
-              <a:rPr lang="ko-KR" altLang="en-US" sz="2500" b="1"/>
-              <a:t>기간 연장</a:t>
-            </a:r>
-          </a:p>
-        </p:txBody>
-      </p:sp>
-      <p:sp>
-        <p:nvSpPr>
-          <p:cNvPr id="1086" name="직사각형 1085"/>
+              <a:rPr lang="ko-KR" altLang="en-US" sz="2600" b="1"/>
+              <a:t>기프티콘 환불</a:t>
+            </a:r>
+            <a:endParaRPr lang="ko-KR" altLang="en-US" sz="2600" b="1"/>
+          </a:p>
+        </p:txBody>
+      </p:sp>
+      <p:sp>
+        <p:nvSpPr>
+          <p:cNvPr id="1096" name="직사각형 1095"/>
           <p:cNvSpPr/>
           <p:nvPr/>
         </p:nvSpPr>
         <p:spPr>
           <a:xfrm>
-            <a:off x="38864812" y="11987887"/>
+            <a:off x="37547532" y="8620103"/>
             <a:ext cx="3060382" cy="684085"/>
           </a:xfrm>
           <a:prstGeom prst="rect">
@@ -8998,20 +9080,161 @@
             </a:pPr>
             <a:r>
               <a:rPr lang="ko-KR" altLang="en-US" sz="2600" b="1"/>
-              <a:t>기프티콘 환불</a:t>
-            </a:r>
-          </a:p>
-        </p:txBody>
-      </p:sp>
-      <p:sp>
-        <p:nvSpPr>
-          <p:cNvPr id="1096" name="직사각형 1095"/>
+              <a:t>내 기프티콘 조회</a:t>
+            </a:r>
+            <a:endParaRPr lang="ko-KR" altLang="en-US" sz="2600" b="1"/>
+          </a:p>
+        </p:txBody>
+      </p:sp>
+      <p:cxnSp>
+        <p:nvCxnSpPr>
+          <p:cNvPr id="1542" name="연결선: 꺾임 1541"/>
+          <p:cNvCxnSpPr/>
+          <p:nvPr/>
+        </p:nvCxnSpPr>
+        <p:spPr>
+          <a:xfrm rot="10800000">
+            <a:off x="37121712" y="8383529"/>
+            <a:ext cx="425816" cy="578616"/>
+          </a:xfrm>
+          <a:prstGeom prst="bentConnector2">
+            <a:avLst/>
+          </a:prstGeom>
+          <a:ln>
+            <a:solidFill>
+              <a:schemeClr val="dk1"/>
+            </a:solidFill>
+          </a:ln>
+        </p:spPr>
+        <p:style>
+          <a:lnRef idx="1">
+            <a:schemeClr val="accent1"/>
+          </a:lnRef>
+          <a:fillRef idx="0">
+            <a:schemeClr val="accent1"/>
+          </a:fillRef>
+          <a:effectRef idx="0">
+            <a:schemeClr val="accent1"/>
+          </a:effectRef>
+          <a:fontRef idx="minor">
+            <a:schemeClr val="tx1"/>
+          </a:fontRef>
+        </p:style>
+      </p:cxnSp>
+      <p:cxnSp>
+        <p:nvCxnSpPr>
+          <p:cNvPr id="1543" name="연결선: 꺾임 1542"/>
+          <p:cNvCxnSpPr/>
+          <p:nvPr/>
+        </p:nvCxnSpPr>
+        <p:spPr>
+          <a:xfrm rot="16200000" flipH="1">
+            <a:off x="37597248" y="9467369"/>
+            <a:ext cx="684082" cy="357720"/>
+          </a:xfrm>
+          <a:prstGeom prst="bentConnector2">
+            <a:avLst/>
+          </a:prstGeom>
+          <a:ln>
+            <a:solidFill>
+              <a:schemeClr val="dk1"/>
+            </a:solidFill>
+          </a:ln>
+        </p:spPr>
+        <p:style>
+          <a:lnRef idx="1">
+            <a:schemeClr val="accent1"/>
+          </a:lnRef>
+          <a:fillRef idx="0">
+            <a:schemeClr val="accent1"/>
+          </a:fillRef>
+          <a:effectRef idx="0">
+            <a:schemeClr val="accent1"/>
+          </a:effectRef>
+          <a:fontRef idx="minor">
+            <a:schemeClr val="tx1"/>
+          </a:fontRef>
+        </p:style>
+      </p:cxnSp>
+      <p:cxnSp>
+        <p:nvCxnSpPr>
+          <p:cNvPr id="1544" name="연결선: 꺾임 1543"/>
+          <p:cNvCxnSpPr/>
+          <p:nvPr/>
+        </p:nvCxnSpPr>
+        <p:spPr>
+          <a:xfrm rot="10800000">
+            <a:off x="38429260" y="10576565"/>
+            <a:ext cx="435552" cy="1753364"/>
+          </a:xfrm>
+          <a:prstGeom prst="bentConnector2">
+            <a:avLst/>
+          </a:prstGeom>
+          <a:ln>
+            <a:solidFill>
+              <a:schemeClr val="dk1"/>
+            </a:solidFill>
+          </a:ln>
+        </p:spPr>
+        <p:style>
+          <a:lnRef idx="1">
+            <a:schemeClr val="accent1"/>
+          </a:lnRef>
+          <a:fillRef idx="0">
+            <a:schemeClr val="accent1"/>
+          </a:fillRef>
+          <a:effectRef idx="0">
+            <a:schemeClr val="accent1"/>
+          </a:effectRef>
+          <a:fontRef idx="minor">
+            <a:schemeClr val="tx1"/>
+          </a:fontRef>
+        </p:style>
+      </p:cxnSp>
+      <p:cxnSp>
+        <p:nvCxnSpPr>
+          <p:cNvPr id="1545" name="직선 연결선 1544"/>
+          <p:cNvCxnSpPr/>
+          <p:nvPr/>
+        </p:nvCxnSpPr>
+        <p:spPr>
+          <a:xfrm>
+            <a:off x="38429260" y="11237621"/>
+            <a:ext cx="435552" cy="9000"/>
+          </a:xfrm>
+          <a:prstGeom prst="line">
+            <a:avLst/>
+          </a:prstGeom>
+          <a:ln>
+            <a:solidFill>
+              <a:schemeClr val="dk1"/>
+            </a:solidFill>
+          </a:ln>
+        </p:spPr>
+        <p:style>
+          <a:lnRef idx="1">
+            <a:schemeClr val="accent1"/>
+          </a:lnRef>
+          <a:fillRef idx="0">
+            <a:schemeClr val="accent1"/>
+          </a:fillRef>
+          <a:effectRef idx="0">
+            <a:schemeClr val="accent1"/>
+          </a:effectRef>
+          <a:fontRef idx="minor">
+            <a:schemeClr val="tx1"/>
+          </a:fontRef>
+        </p:style>
+      </p:cxnSp>
+      <p:sp>
+        <p:nvSpPr>
+          <p:cNvPr id="1066" name="직사각형 1065"/>
           <p:cNvSpPr/>
           <p:nvPr/>
         </p:nvSpPr>
         <p:spPr>
           <a:xfrm>
-            <a:off x="37547532" y="8620103"/>
+            <a:off x="27955796" y="15041338"/>
             <a:ext cx="3060382" cy="684085"/>
           </a:xfrm>
           <a:prstGeom prst="rect">
@@ -9049,160 +9272,21 @@
             </a:pPr>
             <a:r>
               <a:rPr lang="ko-KR" altLang="en-US" sz="2600" b="1"/>
-              <a:t>내 기프티콘 조회</a:t>
-            </a:r>
-          </a:p>
-        </p:txBody>
-      </p:sp>
-      <p:cxnSp>
-        <p:nvCxnSpPr>
-          <p:cNvPr id="1542" name="연결선: 꺾임 1541"/>
-          <p:cNvCxnSpPr/>
-          <p:nvPr/>
-        </p:nvCxnSpPr>
-        <p:spPr>
-          <a:xfrm rot="10800000">
-            <a:off x="37121712" y="8383529"/>
-            <a:ext cx="425816" cy="578616"/>
-          </a:xfrm>
-          <a:prstGeom prst="bentConnector2">
-            <a:avLst/>
-          </a:prstGeom>
-          <a:ln>
-            <a:solidFill>
-              <a:schemeClr val="dk1"/>
-            </a:solidFill>
-          </a:ln>
-        </p:spPr>
-        <p:style>
-          <a:lnRef idx="1">
-            <a:schemeClr val="accent1"/>
-          </a:lnRef>
-          <a:fillRef idx="0">
-            <a:schemeClr val="accent1"/>
-          </a:fillRef>
-          <a:effectRef idx="0">
-            <a:schemeClr val="accent1"/>
-          </a:effectRef>
-          <a:fontRef idx="minor">
-            <a:schemeClr val="tx1"/>
-          </a:fontRef>
-        </p:style>
-      </p:cxnSp>
-      <p:cxnSp>
-        <p:nvCxnSpPr>
-          <p:cNvPr id="1543" name="연결선: 꺾임 1542"/>
-          <p:cNvCxnSpPr/>
-          <p:nvPr/>
-        </p:nvCxnSpPr>
-        <p:spPr>
-          <a:xfrm rot="16200000" flipH="1">
-            <a:off x="37597248" y="9467369"/>
-            <a:ext cx="684082" cy="357720"/>
-          </a:xfrm>
-          <a:prstGeom prst="bentConnector2">
-            <a:avLst/>
-          </a:prstGeom>
-          <a:ln>
-            <a:solidFill>
-              <a:schemeClr val="dk1"/>
-            </a:solidFill>
-          </a:ln>
-        </p:spPr>
-        <p:style>
-          <a:lnRef idx="1">
-            <a:schemeClr val="accent1"/>
-          </a:lnRef>
-          <a:fillRef idx="0">
-            <a:schemeClr val="accent1"/>
-          </a:fillRef>
-          <a:effectRef idx="0">
-            <a:schemeClr val="accent1"/>
-          </a:effectRef>
-          <a:fontRef idx="minor">
-            <a:schemeClr val="tx1"/>
-          </a:fontRef>
-        </p:style>
-      </p:cxnSp>
-      <p:cxnSp>
-        <p:nvCxnSpPr>
-          <p:cNvPr id="1544" name="연결선: 꺾임 1543"/>
-          <p:cNvCxnSpPr/>
-          <p:nvPr/>
-        </p:nvCxnSpPr>
-        <p:spPr>
-          <a:xfrm rot="10800000">
-            <a:off x="38429260" y="10576565"/>
-            <a:ext cx="435552" cy="1753364"/>
-          </a:xfrm>
-          <a:prstGeom prst="bentConnector2">
-            <a:avLst/>
-          </a:prstGeom>
-          <a:ln>
-            <a:solidFill>
-              <a:schemeClr val="dk1"/>
-            </a:solidFill>
-          </a:ln>
-        </p:spPr>
-        <p:style>
-          <a:lnRef idx="1">
-            <a:schemeClr val="accent1"/>
-          </a:lnRef>
-          <a:fillRef idx="0">
-            <a:schemeClr val="accent1"/>
-          </a:fillRef>
-          <a:effectRef idx="0">
-            <a:schemeClr val="accent1"/>
-          </a:effectRef>
-          <a:fontRef idx="minor">
-            <a:schemeClr val="tx1"/>
-          </a:fontRef>
-        </p:style>
-      </p:cxnSp>
-      <p:cxnSp>
-        <p:nvCxnSpPr>
-          <p:cNvPr id="1545" name="직선 연결선 1544"/>
-          <p:cNvCxnSpPr/>
-          <p:nvPr/>
-        </p:nvCxnSpPr>
-        <p:spPr>
-          <a:xfrm>
-            <a:off x="38429260" y="11237621"/>
-            <a:ext cx="435552" cy="9000"/>
-          </a:xfrm>
-          <a:prstGeom prst="line">
-            <a:avLst/>
-          </a:prstGeom>
-          <a:ln>
-            <a:solidFill>
-              <a:schemeClr val="dk1"/>
-            </a:solidFill>
-          </a:ln>
-        </p:spPr>
-        <p:style>
-          <a:lnRef idx="1">
-            <a:schemeClr val="accent1"/>
-          </a:lnRef>
-          <a:fillRef idx="0">
-            <a:schemeClr val="accent1"/>
-          </a:fillRef>
-          <a:effectRef idx="0">
-            <a:schemeClr val="accent1"/>
-          </a:effectRef>
-          <a:fontRef idx="minor">
-            <a:schemeClr val="tx1"/>
-          </a:fontRef>
-        </p:style>
-      </p:cxnSp>
-      <p:sp>
-        <p:nvSpPr>
-          <p:cNvPr id="1066" name="직사각형 1065"/>
+              <a:t>내 건의사항</a:t>
+            </a:r>
+            <a:endParaRPr lang="ko-KR" altLang="en-US" sz="2600" b="1"/>
+          </a:p>
+        </p:txBody>
+      </p:sp>
+      <p:sp>
+        <p:nvSpPr>
+          <p:cNvPr id="1098" name="직사각형 1097"/>
           <p:cNvSpPr/>
           <p:nvPr/>
         </p:nvSpPr>
         <p:spPr>
           <a:xfrm>
-            <a:off x="27955796" y="15041338"/>
+            <a:off x="28842274" y="16042384"/>
             <a:ext cx="3060382" cy="684085"/>
           </a:xfrm>
           <a:prstGeom prst="rect">
@@ -9240,20 +9324,56 @@
             </a:pPr>
             <a:r>
               <a:rPr lang="ko-KR" altLang="en-US" sz="2600" b="1"/>
-              <a:t>내 건의사항</a:t>
-            </a:r>
-          </a:p>
-        </p:txBody>
-      </p:sp>
-      <p:sp>
-        <p:nvSpPr>
-          <p:cNvPr id="1098" name="직사각형 1097"/>
+              <a:t>내 건의사항 조회</a:t>
+            </a:r>
+            <a:endParaRPr lang="ko-KR" altLang="en-US" sz="2600" b="1"/>
+          </a:p>
+        </p:txBody>
+      </p:sp>
+      <p:cxnSp>
+        <p:nvCxnSpPr>
+          <p:cNvPr id="1547" name="연결선: 꺾임 1546"/>
+          <p:cNvCxnSpPr/>
+          <p:nvPr/>
+        </p:nvCxnSpPr>
+        <p:spPr>
+          <a:xfrm rot="16200000" flipH="1">
+            <a:off x="28300954" y="15843112"/>
+            <a:ext cx="659002" cy="423624"/>
+          </a:xfrm>
+          <a:prstGeom prst="bentConnector2">
+            <a:avLst/>
+          </a:prstGeom>
+          <a:ln>
+            <a:solidFill>
+              <a:schemeClr val="dk1"/>
+            </a:solidFill>
+          </a:ln>
+        </p:spPr>
+        <p:style>
+          <a:lnRef idx="1">
+            <a:schemeClr val="accent1"/>
+          </a:lnRef>
+          <a:fillRef idx="0">
+            <a:schemeClr val="accent1"/>
+          </a:fillRef>
+          <a:effectRef idx="0">
+            <a:schemeClr val="accent1"/>
+          </a:effectRef>
+          <a:fontRef idx="minor">
+            <a:schemeClr val="tx1"/>
+          </a:fontRef>
+        </p:style>
+      </p:cxnSp>
+      <p:sp>
+        <p:nvSpPr>
+          <p:cNvPr id="1063" name="직사각형 1062"/>
           <p:cNvSpPr/>
           <p:nvPr/>
         </p:nvSpPr>
         <p:spPr>
           <a:xfrm>
-            <a:off x="28842274" y="16042384"/>
+            <a:off x="27312620" y="8855356"/>
             <a:ext cx="3060382" cy="684085"/>
           </a:xfrm>
           <a:prstGeom prst="rect">
@@ -9291,55 +9411,21 @@
             </a:pPr>
             <a:r>
               <a:rPr lang="ko-KR" altLang="en-US" sz="2600" b="1"/>
-              <a:t>내 건의사항 조회</a:t>
-            </a:r>
-          </a:p>
-        </p:txBody>
-      </p:sp>
-      <p:cxnSp>
-        <p:nvCxnSpPr>
-          <p:cNvPr id="1547" name="연결선: 꺾임 1546"/>
-          <p:cNvCxnSpPr/>
-          <p:nvPr/>
-        </p:nvCxnSpPr>
-        <p:spPr>
-          <a:xfrm rot="16200000" flipH="1">
-            <a:off x="28300954" y="15843112"/>
-            <a:ext cx="659002" cy="423624"/>
-          </a:xfrm>
-          <a:prstGeom prst="bentConnector2">
-            <a:avLst/>
-          </a:prstGeom>
-          <a:ln>
-            <a:solidFill>
-              <a:schemeClr val="dk1"/>
-            </a:solidFill>
-          </a:ln>
-        </p:spPr>
-        <p:style>
-          <a:lnRef idx="1">
-            <a:schemeClr val="accent1"/>
-          </a:lnRef>
-          <a:fillRef idx="0">
-            <a:schemeClr val="accent1"/>
-          </a:fillRef>
-          <a:effectRef idx="0">
-            <a:schemeClr val="accent1"/>
-          </a:effectRef>
-          <a:fontRef idx="minor">
-            <a:schemeClr val="tx1"/>
-          </a:fontRef>
-        </p:style>
-      </p:cxnSp>
-      <p:sp>
-        <p:nvSpPr>
-          <p:cNvPr id="1063" name="직사각형 1062"/>
+              <a:t>내 리뷰</a:t>
+            </a:r>
+            <a:endParaRPr lang="ko-KR" altLang="en-US" sz="2600" b="1"/>
+          </a:p>
+        </p:txBody>
+      </p:sp>
+      <p:sp>
+        <p:nvSpPr>
+          <p:cNvPr id="1093" name="직사각형 1092"/>
           <p:cNvSpPr/>
           <p:nvPr/>
         </p:nvSpPr>
         <p:spPr>
           <a:xfrm>
-            <a:off x="27312620" y="8855356"/>
+            <a:off x="28255668" y="9898328"/>
             <a:ext cx="3060382" cy="684085"/>
           </a:xfrm>
           <a:prstGeom prst="rect">
@@ -9377,20 +9463,56 @@
             </a:pPr>
             <a:r>
               <a:rPr lang="ko-KR" altLang="en-US" sz="2600" b="1"/>
-              <a:t>내 리뷰</a:t>
-            </a:r>
-          </a:p>
-        </p:txBody>
-      </p:sp>
-      <p:sp>
-        <p:nvSpPr>
-          <p:cNvPr id="1093" name="직사각형 1092"/>
+              <a:t>내 리뷰 조회</a:t>
+            </a:r>
+            <a:endParaRPr lang="ko-KR" altLang="en-US" sz="2600" b="1"/>
+          </a:p>
+        </p:txBody>
+      </p:sp>
+      <p:cxnSp>
+        <p:nvCxnSpPr>
+          <p:cNvPr id="1563" name="연결선: 꺾임 1562"/>
+          <p:cNvCxnSpPr/>
+          <p:nvPr/>
+        </p:nvCxnSpPr>
+        <p:spPr>
+          <a:xfrm rot="16200000" flipH="1">
+            <a:off x="27673764" y="9658468"/>
+            <a:ext cx="700930" cy="462872"/>
+          </a:xfrm>
+          <a:prstGeom prst="bentConnector2">
+            <a:avLst/>
+          </a:prstGeom>
+          <a:ln>
+            <a:solidFill>
+              <a:schemeClr val="dk1"/>
+            </a:solidFill>
+          </a:ln>
+        </p:spPr>
+        <p:style>
+          <a:lnRef idx="1">
+            <a:schemeClr val="accent1"/>
+          </a:lnRef>
+          <a:fillRef idx="0">
+            <a:schemeClr val="accent1"/>
+          </a:fillRef>
+          <a:effectRef idx="0">
+            <a:schemeClr val="accent1"/>
+          </a:effectRef>
+          <a:fontRef idx="minor">
+            <a:schemeClr val="tx1"/>
+          </a:fontRef>
+        </p:style>
+      </p:cxnSp>
+      <p:sp>
+        <p:nvSpPr>
+          <p:cNvPr id="1064" name="직사각형 1063"/>
           <p:cNvSpPr/>
           <p:nvPr/>
         </p:nvSpPr>
         <p:spPr>
           <a:xfrm>
-            <a:off x="28255668" y="9898328"/>
+            <a:off x="27927012" y="12298811"/>
             <a:ext cx="3060382" cy="684085"/>
           </a:xfrm>
           <a:prstGeom prst="rect">
@@ -9428,55 +9550,21 @@
             </a:pPr>
             <a:r>
               <a:rPr lang="ko-KR" altLang="en-US" sz="2600" b="1"/>
-              <a:t>내 리뷰 조회</a:t>
-            </a:r>
-          </a:p>
-        </p:txBody>
-      </p:sp>
-      <p:cxnSp>
-        <p:nvCxnSpPr>
-          <p:cNvPr id="1563" name="연결선: 꺾임 1562"/>
-          <p:cNvCxnSpPr/>
-          <p:nvPr/>
-        </p:nvCxnSpPr>
-        <p:spPr>
-          <a:xfrm rot="16200000" flipH="1">
-            <a:off x="27673764" y="9658468"/>
-            <a:ext cx="700930" cy="462872"/>
-          </a:xfrm>
-          <a:prstGeom prst="bentConnector2">
-            <a:avLst/>
-          </a:prstGeom>
-          <a:ln>
-            <a:solidFill>
-              <a:schemeClr val="dk1"/>
-            </a:solidFill>
-          </a:ln>
-        </p:spPr>
-        <p:style>
-          <a:lnRef idx="1">
-            <a:schemeClr val="accent1"/>
-          </a:lnRef>
-          <a:fillRef idx="0">
-            <a:schemeClr val="accent1"/>
-          </a:fillRef>
-          <a:effectRef idx="0">
-            <a:schemeClr val="accent1"/>
-          </a:effectRef>
-          <a:fontRef idx="minor">
-            <a:schemeClr val="tx1"/>
-          </a:fontRef>
-        </p:style>
-      </p:cxnSp>
-      <p:sp>
-        <p:nvSpPr>
-          <p:cNvPr id="1064" name="직사각형 1063"/>
+              <a:t>내 한줄평</a:t>
+            </a:r>
+            <a:endParaRPr lang="ko-KR" altLang="en-US" sz="2600" b="1"/>
+          </a:p>
+        </p:txBody>
+      </p:sp>
+      <p:sp>
+        <p:nvSpPr>
+          <p:cNvPr id="1095" name="직사각형 1094"/>
           <p:cNvSpPr/>
           <p:nvPr/>
         </p:nvSpPr>
         <p:spPr>
           <a:xfrm>
-            <a:off x="27927012" y="12298811"/>
+            <a:off x="28985288" y="13361827"/>
             <a:ext cx="3060382" cy="684085"/>
           </a:xfrm>
           <a:prstGeom prst="rect">
@@ -9514,20 +9602,56 @@
             </a:pPr>
             <a:r>
               <a:rPr lang="ko-KR" altLang="en-US" sz="2600" b="1"/>
-              <a:t>내 한줄평</a:t>
-            </a:r>
-          </a:p>
-        </p:txBody>
-      </p:sp>
-      <p:sp>
-        <p:nvSpPr>
-          <p:cNvPr id="1095" name="직사각형 1094"/>
+              <a:t>내 한줄평 조회</a:t>
+            </a:r>
+            <a:endParaRPr lang="ko-KR" altLang="en-US" sz="2600" b="1"/>
+          </a:p>
+        </p:txBody>
+      </p:sp>
+      <p:cxnSp>
+        <p:nvCxnSpPr>
+          <p:cNvPr id="1564" name="연결선: 꺾임 1563"/>
+          <p:cNvCxnSpPr/>
+          <p:nvPr/>
+        </p:nvCxnSpPr>
+        <p:spPr>
+          <a:xfrm rot="16200000" flipH="1">
+            <a:off x="28403388" y="13112383"/>
+            <a:ext cx="700930" cy="462872"/>
+          </a:xfrm>
+          <a:prstGeom prst="bentConnector2">
+            <a:avLst/>
+          </a:prstGeom>
+          <a:ln>
+            <a:solidFill>
+              <a:schemeClr val="dk1"/>
+            </a:solidFill>
+          </a:ln>
+        </p:spPr>
+        <p:style>
+          <a:lnRef idx="1">
+            <a:schemeClr val="accent1"/>
+          </a:lnRef>
+          <a:fillRef idx="0">
+            <a:schemeClr val="accent1"/>
+          </a:fillRef>
+          <a:effectRef idx="0">
+            <a:schemeClr val="accent1"/>
+          </a:effectRef>
+          <a:fontRef idx="minor">
+            <a:schemeClr val="tx1"/>
+          </a:fontRef>
+        </p:style>
+      </p:cxnSp>
+      <p:sp>
+        <p:nvSpPr>
+          <p:cNvPr id="1332" name="직사각형 1331"/>
           <p:cNvSpPr/>
           <p:nvPr/>
         </p:nvSpPr>
         <p:spPr>
           <a:xfrm>
-            <a:off x="28985288" y="13361827"/>
+            <a:off x="2753044" y="9275717"/>
             <a:ext cx="3060382" cy="684085"/>
           </a:xfrm>
           <a:prstGeom prst="rect">
@@ -9537,15 +9661,15 @@
         </p:spPr>
         <p:style>
           <a:lnRef idx="2">
-            <a:schemeClr val="accent4">
+            <a:schemeClr val="accent6">
               <a:shade val="50000"/>
             </a:schemeClr>
           </a:lnRef>
           <a:fillRef idx="1">
-            <a:schemeClr val="accent4"/>
-          </a:fillRef>
-          <a:effectRef idx="0">
-            <a:schemeClr val="accent4"/>
+            <a:schemeClr val="accent6"/>
+          </a:fillRef>
+          <a:effectRef idx="0">
+            <a:schemeClr val="accent6"/>
           </a:effectRef>
           <a:fontRef idx="minor">
             <a:schemeClr val="lt1"/>
@@ -9565,55 +9689,21 @@
             </a:pPr>
             <a:r>
               <a:rPr lang="ko-KR" altLang="en-US" sz="2600" b="1"/>
-              <a:t>내 한줄평 조회</a:t>
-            </a:r>
-          </a:p>
-        </p:txBody>
-      </p:sp>
-      <p:cxnSp>
-        <p:nvCxnSpPr>
-          <p:cNvPr id="1564" name="연결선: 꺾임 1563"/>
-          <p:cNvCxnSpPr/>
-          <p:nvPr/>
-        </p:nvCxnSpPr>
-        <p:spPr>
-          <a:xfrm rot="16200000" flipH="1">
-            <a:off x="28403388" y="13112383"/>
-            <a:ext cx="700930" cy="462872"/>
-          </a:xfrm>
-          <a:prstGeom prst="bentConnector2">
-            <a:avLst/>
-          </a:prstGeom>
-          <a:ln>
-            <a:solidFill>
-              <a:schemeClr val="dk1"/>
-            </a:solidFill>
-          </a:ln>
-        </p:spPr>
-        <p:style>
-          <a:lnRef idx="1">
-            <a:schemeClr val="accent1"/>
-          </a:lnRef>
-          <a:fillRef idx="0">
-            <a:schemeClr val="accent1"/>
-          </a:fillRef>
-          <a:effectRef idx="0">
-            <a:schemeClr val="accent1"/>
-          </a:effectRef>
-          <a:fontRef idx="minor">
-            <a:schemeClr val="tx1"/>
-          </a:fontRef>
-        </p:style>
-      </p:cxnSp>
-      <p:sp>
-        <p:nvSpPr>
-          <p:cNvPr id="1332" name="직사각형 1331"/>
+              <a:t>영화 등록</a:t>
+            </a:r>
+            <a:endParaRPr lang="ko-KR" altLang="en-US" sz="2600" b="1"/>
+          </a:p>
+        </p:txBody>
+      </p:sp>
+      <p:sp>
+        <p:nvSpPr>
+          <p:cNvPr id="1281" name="직사각형 1280"/>
           <p:cNvSpPr/>
           <p:nvPr/>
         </p:nvSpPr>
         <p:spPr>
           <a:xfrm>
-            <a:off x="2753044" y="9275717"/>
+            <a:off x="44415104" y="7841710"/>
             <a:ext cx="3060382" cy="684085"/>
           </a:xfrm>
           <a:prstGeom prst="rect">
@@ -9650,21 +9740,30 @@
               <a:defRPr/>
             </a:pPr>
             <a:r>
-              <a:rPr lang="ko-KR" altLang="en-US" sz="2600" b="1"/>
-              <a:t>영화 등록</a:t>
-            </a:r>
-          </a:p>
-        </p:txBody>
-      </p:sp>
-      <p:sp>
-        <p:nvSpPr>
-          <p:cNvPr id="1281" name="직사각형 1280"/>
+              <a:rPr lang="ko-KR" altLang="en-US" sz="2600" b="1">
+                <a:solidFill>
+                  <a:schemeClr val="bg1"/>
+                </a:solidFill>
+              </a:rPr>
+              <a:t>회원 관리</a:t>
+            </a:r>
+            <a:endParaRPr lang="ko-KR" altLang="en-US" sz="2600" b="1">
+              <a:solidFill>
+                <a:schemeClr val="bg1"/>
+              </a:solidFill>
+            </a:endParaRPr>
+          </a:p>
+        </p:txBody>
+      </p:sp>
+      <p:sp>
+        <p:nvSpPr>
+          <p:cNvPr id="1283" name="직사각형 1282"/>
           <p:cNvSpPr/>
           <p:nvPr/>
         </p:nvSpPr>
         <p:spPr>
           <a:xfrm>
-            <a:off x="44415104" y="7841710"/>
+            <a:off x="45368508" y="8971041"/>
             <a:ext cx="3060382" cy="684085"/>
           </a:xfrm>
           <a:prstGeom prst="rect">
@@ -9701,25 +9800,22 @@
               <a:defRPr/>
             </a:pPr>
             <a:r>
-              <a:rPr lang="ko-KR" altLang="en-US" sz="2600" b="1">
-                <a:solidFill>
-                  <a:schemeClr val="bg1"/>
-                </a:solidFill>
-              </a:rPr>
-              <a:t>회원 관리</a:t>
-            </a:r>
-          </a:p>
-        </p:txBody>
-      </p:sp>
-      <p:sp>
-        <p:nvSpPr>
-          <p:cNvPr id="1283" name="직사각형 1282"/>
+              <a:rPr lang="ko-KR" altLang="en-US" sz="2600" b="1"/>
+              <a:t>회원 목록 조회</a:t>
+            </a:r>
+            <a:endParaRPr lang="ko-KR" altLang="en-US" sz="2600" b="1"/>
+          </a:p>
+        </p:txBody>
+      </p:sp>
+      <p:sp>
+        <p:nvSpPr>
+          <p:cNvPr id="1284" name="직사각형 1283"/>
           <p:cNvSpPr/>
           <p:nvPr/>
         </p:nvSpPr>
         <p:spPr>
           <a:xfrm>
-            <a:off x="45368508" y="8971041"/>
+            <a:off x="46408656" y="11048403"/>
             <a:ext cx="3060382" cy="684085"/>
           </a:xfrm>
           <a:prstGeom prst="rect">
@@ -9757,20 +9853,21 @@
             </a:pPr>
             <a:r>
               <a:rPr lang="ko-KR" altLang="en-US" sz="2600" b="1"/>
-              <a:t>회원 목록 조회</a:t>
-            </a:r>
-          </a:p>
-        </p:txBody>
-      </p:sp>
-      <p:sp>
-        <p:nvSpPr>
-          <p:cNvPr id="1284" name="직사각형 1283"/>
+              <a:t>회원 상세보기</a:t>
+            </a:r>
+            <a:endParaRPr lang="ko-KR" altLang="en-US" sz="2600" b="1"/>
+          </a:p>
+        </p:txBody>
+      </p:sp>
+      <p:sp>
+        <p:nvSpPr>
+          <p:cNvPr id="1286" name="직사각형 1285"/>
           <p:cNvSpPr/>
           <p:nvPr/>
         </p:nvSpPr>
         <p:spPr>
           <a:xfrm>
-            <a:off x="46408656" y="11048403"/>
+            <a:off x="47292936" y="11975664"/>
             <a:ext cx="3060382" cy="684085"/>
           </a:xfrm>
           <a:prstGeom prst="rect">
@@ -9808,20 +9905,21 @@
             </a:pPr>
             <a:r>
               <a:rPr lang="ko-KR" altLang="en-US" sz="2600" b="1"/>
-              <a:t>회원 상세보기</a:t>
-            </a:r>
-          </a:p>
-        </p:txBody>
-      </p:sp>
-      <p:sp>
-        <p:nvSpPr>
-          <p:cNvPr id="1286" name="직사각형 1285"/>
+              <a:t>회원 강퇴</a:t>
+            </a:r>
+            <a:endParaRPr lang="ko-KR" altLang="en-US" sz="2600" b="1"/>
+          </a:p>
+        </p:txBody>
+      </p:sp>
+      <p:sp>
+        <p:nvSpPr>
+          <p:cNvPr id="1324" name="직사각형 1323"/>
           <p:cNvSpPr/>
           <p:nvPr/>
         </p:nvSpPr>
         <p:spPr>
           <a:xfrm>
-            <a:off x="47292936" y="11975664"/>
+            <a:off x="47292936" y="12993354"/>
             <a:ext cx="3060382" cy="684085"/>
           </a:xfrm>
           <a:prstGeom prst="rect">
@@ -9859,20 +9957,21 @@
             </a:pPr>
             <a:r>
               <a:rPr lang="ko-KR" altLang="en-US" sz="2600" b="1"/>
-              <a:t>회원 강퇴</a:t>
-            </a:r>
-          </a:p>
-        </p:txBody>
-      </p:sp>
-      <p:sp>
-        <p:nvSpPr>
-          <p:cNvPr id="1324" name="직사각형 1323"/>
+              <a:t>예매 내역 보기</a:t>
+            </a:r>
+            <a:endParaRPr lang="ko-KR" altLang="en-US" sz="2600" b="1"/>
+          </a:p>
+        </p:txBody>
+      </p:sp>
+      <p:sp>
+        <p:nvSpPr>
+          <p:cNvPr id="1364" name="직사각형 1363"/>
           <p:cNvSpPr/>
           <p:nvPr/>
         </p:nvSpPr>
         <p:spPr>
           <a:xfrm>
-            <a:off x="47292936" y="12993354"/>
+            <a:off x="46408652" y="10022275"/>
             <a:ext cx="3060382" cy="684085"/>
           </a:xfrm>
           <a:prstGeom prst="rect">
@@ -9910,20 +10009,91 @@
             </a:pPr>
             <a:r>
               <a:rPr lang="ko-KR" altLang="en-US" sz="2600" b="1"/>
-              <a:t>예매 내역 보기</a:t>
-            </a:r>
-          </a:p>
-        </p:txBody>
-      </p:sp>
-      <p:sp>
-        <p:nvSpPr>
-          <p:cNvPr id="1364" name="직사각형 1363"/>
+              <a:t>회원 검색</a:t>
+            </a:r>
+            <a:endParaRPr lang="ko-KR" altLang="en-US" sz="2600" b="1"/>
+          </a:p>
+        </p:txBody>
+      </p:sp>
+      <p:cxnSp>
+        <p:nvCxnSpPr>
+          <p:cNvPr id="1571" name="연결선: 꺾임 1570"/>
+          <p:cNvCxnSpPr/>
+          <p:nvPr/>
+        </p:nvCxnSpPr>
+        <p:spPr>
+          <a:xfrm rot="10800000">
+            <a:off x="46898696" y="11699694"/>
+            <a:ext cx="421880" cy="1693653"/>
+          </a:xfrm>
+          <a:prstGeom prst="bentConnector2">
+            <a:avLst/>
+          </a:prstGeom>
+          <a:ln>
+            <a:solidFill>
+              <a:schemeClr val="dk1"/>
+            </a:solidFill>
+          </a:ln>
+        </p:spPr>
+        <p:style>
+          <a:lnRef idx="1">
+            <a:schemeClr val="accent1"/>
+          </a:lnRef>
+          <a:fillRef idx="0">
+            <a:schemeClr val="accent1"/>
+          </a:fillRef>
+          <a:effectRef idx="0">
+            <a:schemeClr val="accent1"/>
+          </a:effectRef>
+          <a:fontRef idx="minor">
+            <a:schemeClr val="tx1"/>
+          </a:fontRef>
+        </p:style>
+      </p:cxnSp>
+      <p:cxnSp>
+        <p:nvCxnSpPr>
+          <p:cNvPr id="1582" name="직선 연결선 1581"/>
+          <p:cNvCxnSpPr/>
+          <p:nvPr/>
+        </p:nvCxnSpPr>
+        <p:spPr>
+          <a:xfrm>
+            <a:off x="46898696" y="12317706"/>
+            <a:ext cx="394240" cy="0"/>
+          </a:xfrm>
+          <a:prstGeom prst="line">
+            <a:avLst/>
+          </a:prstGeom>
+          <a:ln>
+            <a:solidFill>
+              <a:schemeClr val="dk1"/>
+            </a:solidFill>
+          </a:ln>
+        </p:spPr>
+        <p:style>
+          <a:lnRef idx="1">
+            <a:schemeClr val="accent1"/>
+          </a:lnRef>
+          <a:fillRef idx="0">
+            <a:schemeClr val="accent1"/>
+          </a:fillRef>
+          <a:effectRef idx="0">
+            <a:schemeClr val="accent1"/>
+          </a:effectRef>
+          <a:fontRef idx="minor">
+            <a:schemeClr val="tx1"/>
+          </a:fontRef>
+        </p:style>
+      </p:cxnSp>
+      <p:sp>
+        <p:nvSpPr>
+          <p:cNvPr id="1326" name="직사각형 1325"/>
           <p:cNvSpPr/>
           <p:nvPr/>
         </p:nvSpPr>
         <p:spPr>
           <a:xfrm>
-            <a:off x="46408652" y="10022275"/>
+            <a:off x="9231330" y="8408797"/>
             <a:ext cx="3060382" cy="684085"/>
           </a:xfrm>
           <a:prstGeom prst="rect">
@@ -9961,90 +10131,21 @@
             </a:pPr>
             <a:r>
               <a:rPr lang="ko-KR" altLang="en-US" sz="2600" b="1"/>
-              <a:t>회원 검색</a:t>
-            </a:r>
-          </a:p>
-        </p:txBody>
-      </p:sp>
-      <p:cxnSp>
-        <p:nvCxnSpPr>
-          <p:cNvPr id="1571" name="연결선: 꺾임 1570"/>
-          <p:cNvCxnSpPr/>
-          <p:nvPr/>
-        </p:nvCxnSpPr>
-        <p:spPr>
-          <a:xfrm rot="10800000">
-            <a:off x="46898696" y="11699694"/>
-            <a:ext cx="421880" cy="1693653"/>
-          </a:xfrm>
-          <a:prstGeom prst="bentConnector2">
-            <a:avLst/>
-          </a:prstGeom>
-          <a:ln>
-            <a:solidFill>
-              <a:schemeClr val="dk1"/>
-            </a:solidFill>
-          </a:ln>
-        </p:spPr>
-        <p:style>
-          <a:lnRef idx="1">
-            <a:schemeClr val="accent1"/>
-          </a:lnRef>
-          <a:fillRef idx="0">
-            <a:schemeClr val="accent1"/>
-          </a:fillRef>
-          <a:effectRef idx="0">
-            <a:schemeClr val="accent1"/>
-          </a:effectRef>
-          <a:fontRef idx="minor">
-            <a:schemeClr val="tx1"/>
-          </a:fontRef>
-        </p:style>
-      </p:cxnSp>
-      <p:cxnSp>
-        <p:nvCxnSpPr>
-          <p:cNvPr id="1582" name="직선 연결선 1581"/>
-          <p:cNvCxnSpPr/>
-          <p:nvPr/>
-        </p:nvCxnSpPr>
-        <p:spPr>
-          <a:xfrm>
-            <a:off x="46898696" y="12317706"/>
-            <a:ext cx="394240" cy="0"/>
-          </a:xfrm>
-          <a:prstGeom prst="line">
-            <a:avLst/>
-          </a:prstGeom>
-          <a:ln>
-            <a:solidFill>
-              <a:schemeClr val="dk1"/>
-            </a:solidFill>
-          </a:ln>
-        </p:spPr>
-        <p:style>
-          <a:lnRef idx="1">
-            <a:schemeClr val="accent1"/>
-          </a:lnRef>
-          <a:fillRef idx="0">
-            <a:schemeClr val="accent1"/>
-          </a:fillRef>
-          <a:effectRef idx="0">
-            <a:schemeClr val="accent1"/>
-          </a:effectRef>
-          <a:fontRef idx="minor">
-            <a:schemeClr val="tx1"/>
-          </a:fontRef>
-        </p:style>
-      </p:cxnSp>
-      <p:sp>
-        <p:nvSpPr>
-          <p:cNvPr id="1326" name="직사각형 1325"/>
+              <a:t>상영스케줄 등록</a:t>
+            </a:r>
+            <a:endParaRPr lang="ko-KR" altLang="en-US" sz="2600" b="1"/>
+          </a:p>
+        </p:txBody>
+      </p:sp>
+      <p:sp>
+        <p:nvSpPr>
+          <p:cNvPr id="1328" name="직사각형 1327"/>
           <p:cNvSpPr/>
           <p:nvPr/>
         </p:nvSpPr>
         <p:spPr>
           <a:xfrm>
-            <a:off x="9231330" y="8408797"/>
+            <a:off x="9240611" y="9416622"/>
             <a:ext cx="3060382" cy="684085"/>
           </a:xfrm>
           <a:prstGeom prst="rect">
@@ -10082,20 +10183,21 @@
             </a:pPr>
             <a:r>
               <a:rPr lang="ko-KR" altLang="en-US" sz="2600" b="1"/>
-              <a:t>상영스케줄 등록</a:t>
-            </a:r>
-          </a:p>
-        </p:txBody>
-      </p:sp>
-      <p:sp>
-        <p:nvSpPr>
-          <p:cNvPr id="1328" name="직사각형 1327"/>
+              <a:t>상영스케줄 수정</a:t>
+            </a:r>
+            <a:endParaRPr lang="ko-KR" altLang="en-US" sz="2600" b="1"/>
+          </a:p>
+        </p:txBody>
+      </p:sp>
+      <p:sp>
+        <p:nvSpPr>
+          <p:cNvPr id="1330" name="직사각형 1329"/>
           <p:cNvSpPr/>
           <p:nvPr/>
         </p:nvSpPr>
         <p:spPr>
           <a:xfrm>
-            <a:off x="9240611" y="9416622"/>
+            <a:off x="9231330" y="10367556"/>
             <a:ext cx="3060382" cy="684085"/>
           </a:xfrm>
           <a:prstGeom prst="rect">
@@ -10133,20 +10235,21 @@
             </a:pPr>
             <a:r>
               <a:rPr lang="ko-KR" altLang="en-US" sz="2600" b="1"/>
-              <a:t>상영스케줄 수정</a:t>
-            </a:r>
-          </a:p>
-        </p:txBody>
-      </p:sp>
-      <p:sp>
-        <p:nvSpPr>
-          <p:cNvPr id="1330" name="직사각형 1329"/>
+              <a:t>상영스케줄 삭제</a:t>
+            </a:r>
+            <a:endParaRPr lang="ko-KR" altLang="en-US" sz="2600" b="1"/>
+          </a:p>
+        </p:txBody>
+      </p:sp>
+      <p:sp>
+        <p:nvSpPr>
+          <p:cNvPr id="1334" name="직사각형 1333"/>
           <p:cNvSpPr/>
           <p:nvPr/>
         </p:nvSpPr>
         <p:spPr>
           <a:xfrm>
-            <a:off x="9231330" y="10367556"/>
+            <a:off x="20190680" y="8488575"/>
             <a:ext cx="3060382" cy="684085"/>
           </a:xfrm>
           <a:prstGeom prst="rect">
@@ -10184,20 +10287,21 @@
             </a:pPr>
             <a:r>
               <a:rPr lang="ko-KR" altLang="en-US" sz="2600" b="1"/>
-              <a:t>상영스케줄 삭제</a:t>
-            </a:r>
-          </a:p>
-        </p:txBody>
-      </p:sp>
-      <p:sp>
-        <p:nvSpPr>
-          <p:cNvPr id="1334" name="직사각형 1333"/>
+              <a:t>기프티콘 등록</a:t>
+            </a:r>
+            <a:endParaRPr lang="ko-KR" altLang="en-US" sz="2600" b="1"/>
+          </a:p>
+        </p:txBody>
+      </p:sp>
+      <p:sp>
+        <p:nvSpPr>
+          <p:cNvPr id="1336" name="직사각형 1335"/>
           <p:cNvSpPr/>
           <p:nvPr/>
         </p:nvSpPr>
         <p:spPr>
           <a:xfrm>
-            <a:off x="19942600" y="9275720"/>
+            <a:off x="35804432" y="22862292"/>
             <a:ext cx="3060382" cy="684085"/>
           </a:xfrm>
           <a:prstGeom prst="rect">
@@ -10234,21 +10338,29 @@
               <a:defRPr/>
             </a:pPr>
             <a:r>
-              <a:rPr lang="ko-KR" altLang="en-US" sz="2600" b="1"/>
-              <a:t>기프티콘 등록</a:t>
-            </a:r>
-          </a:p>
-        </p:txBody>
-      </p:sp>
-      <p:sp>
-        <p:nvSpPr>
-          <p:cNvPr id="1336" name="직사각형 1335"/>
+              <a:rPr lang="ko-KR" altLang="en-US" sz="2500" b="1"/>
+              <a:t>리뷰 댓글</a:t>
+            </a:r>
+            <a:br>
+              <a:rPr lang="en-US" altLang="ko-KR" sz="2500" b="1"/>
+            </a:br>
+            <a:r>
+              <a:rPr lang="ko-KR" altLang="en-US" sz="2500" b="1"/>
+              <a:t>신고 조회</a:t>
+            </a:r>
+            <a:endParaRPr lang="ko-KR" altLang="en-US" sz="2500" b="1"/>
+          </a:p>
+        </p:txBody>
+      </p:sp>
+      <p:sp>
+        <p:nvSpPr>
+          <p:cNvPr id="1337" name="직사각형 1336"/>
           <p:cNvSpPr/>
           <p:nvPr/>
         </p:nvSpPr>
         <p:spPr>
           <a:xfrm>
-            <a:off x="35804432" y="22862292"/>
+            <a:off x="36950208" y="23895416"/>
             <a:ext cx="3060382" cy="684085"/>
           </a:xfrm>
           <a:prstGeom prst="rect">
@@ -10285,28 +10397,22 @@
               <a:defRPr/>
             </a:pPr>
             <a:r>
-              <a:rPr lang="ko-KR" altLang="en-US" sz="2500" b="1"/>
-              <a:t>리뷰 댓글</a:t>
-            </a:r>
-            <a:br>
-              <a:rPr lang="en-US" altLang="ko-KR" sz="2500" b="1"/>
-            </a:br>
-            <a:r>
-              <a:rPr lang="ko-KR" altLang="en-US" sz="2500" b="1"/>
-              <a:t>신고 조회</a:t>
-            </a:r>
-          </a:p>
-        </p:txBody>
-      </p:sp>
-      <p:sp>
-        <p:nvSpPr>
-          <p:cNvPr id="1337" name="직사각형 1336"/>
+              <a:rPr lang="ko-KR" altLang="en-US" sz="2600" b="1"/>
+              <a:t>신고글 상세보기</a:t>
+            </a:r>
+            <a:endParaRPr lang="ko-KR" altLang="en-US" sz="2600" b="1"/>
+          </a:p>
+        </p:txBody>
+      </p:sp>
+      <p:sp>
+        <p:nvSpPr>
+          <p:cNvPr id="1341" name="직사각형 1340"/>
           <p:cNvSpPr/>
           <p:nvPr/>
         </p:nvSpPr>
         <p:spPr>
           <a:xfrm>
-            <a:off x="36950208" y="23895416"/>
+            <a:off x="35016428" y="21836168"/>
             <a:ext cx="3060382" cy="684085"/>
           </a:xfrm>
           <a:prstGeom prst="rect">
@@ -10343,21 +10449,64 @@
               <a:defRPr/>
             </a:pPr>
             <a:r>
-              <a:rPr lang="ko-KR" altLang="en-US" sz="2600" b="1"/>
-              <a:t>신고글 상세보기</a:t>
-            </a:r>
-          </a:p>
-        </p:txBody>
-      </p:sp>
-      <p:sp>
-        <p:nvSpPr>
-          <p:cNvPr id="1341" name="직사각형 1340"/>
+              <a:rPr lang="ko-KR" altLang="en-US" sz="2500" b="1"/>
+              <a:t>리뷰 댓글</a:t>
+            </a:r>
+            <a:br>
+              <a:rPr lang="en-US" altLang="ko-KR" sz="2500" b="1"/>
+            </a:br>
+            <a:r>
+              <a:rPr lang="ko-KR" altLang="en-US" sz="2500" b="1"/>
+              <a:t>신고 관리</a:t>
+            </a:r>
+            <a:endParaRPr lang="ko-KR" altLang="en-US" sz="2500" b="1"/>
+          </a:p>
+        </p:txBody>
+      </p:sp>
+      <p:cxnSp>
+        <p:nvCxnSpPr>
+          <p:cNvPr id="1600" name="연결선: 꺾임 1599"/>
+          <p:cNvCxnSpPr/>
+          <p:nvPr/>
+        </p:nvCxnSpPr>
+        <p:spPr>
+          <a:xfrm rot="16200000" flipH="1">
+            <a:off x="35263292" y="22663196"/>
+            <a:ext cx="684080" cy="398196"/>
+          </a:xfrm>
+          <a:prstGeom prst="bentConnector2">
+            <a:avLst/>
+          </a:prstGeom>
+          <a:ln>
+            <a:solidFill>
+              <a:schemeClr val="dk1"/>
+            </a:solidFill>
+          </a:ln>
+        </p:spPr>
+        <p:style>
+          <a:lnRef idx="1">
+            <a:schemeClr val="accent1"/>
+          </a:lnRef>
+          <a:fillRef idx="0">
+            <a:schemeClr val="accent1"/>
+          </a:fillRef>
+          <a:effectRef idx="0">
+            <a:schemeClr val="accent1"/>
+          </a:effectRef>
+          <a:fontRef idx="minor">
+            <a:schemeClr val="tx1"/>
+          </a:fontRef>
+        </p:style>
+      </p:cxnSp>
+      <p:sp>
+        <p:nvSpPr>
+          <p:cNvPr id="1348" name="직사각형 1347"/>
           <p:cNvSpPr/>
           <p:nvPr/>
         </p:nvSpPr>
         <p:spPr>
           <a:xfrm>
-            <a:off x="35016428" y="21836168"/>
+            <a:off x="40909828" y="22862292"/>
             <a:ext cx="3060382" cy="684085"/>
           </a:xfrm>
           <a:prstGeom prst="rect">
@@ -10394,63 +10543,22 @@
               <a:defRPr/>
             </a:pPr>
             <a:r>
-              <a:rPr lang="ko-KR" altLang="en-US" sz="2500" b="1"/>
-              <a:t>리뷰 댓글</a:t>
-            </a:r>
-            <a:br>
-              <a:rPr lang="en-US" altLang="ko-KR" sz="2500" b="1"/>
-            </a:br>
-            <a:r>
-              <a:rPr lang="ko-KR" altLang="en-US" sz="2500" b="1"/>
-              <a:t>신고 관리</a:t>
-            </a:r>
-          </a:p>
-        </p:txBody>
-      </p:sp>
-      <p:cxnSp>
-        <p:nvCxnSpPr>
-          <p:cNvPr id="1600" name="연결선: 꺾임 1599"/>
-          <p:cNvCxnSpPr/>
-          <p:nvPr/>
-        </p:nvCxnSpPr>
-        <p:spPr>
-          <a:xfrm rot="16200000" flipH="1">
-            <a:off x="35263292" y="22663196"/>
-            <a:ext cx="684080" cy="398196"/>
-          </a:xfrm>
-          <a:prstGeom prst="bentConnector2">
-            <a:avLst/>
-          </a:prstGeom>
-          <a:ln>
-            <a:solidFill>
-              <a:schemeClr val="dk1"/>
-            </a:solidFill>
-          </a:ln>
-        </p:spPr>
-        <p:style>
-          <a:lnRef idx="1">
-            <a:schemeClr val="accent1"/>
-          </a:lnRef>
-          <a:fillRef idx="0">
-            <a:schemeClr val="accent1"/>
-          </a:fillRef>
-          <a:effectRef idx="0">
-            <a:schemeClr val="accent1"/>
-          </a:effectRef>
-          <a:fontRef idx="minor">
-            <a:schemeClr val="tx1"/>
-          </a:fontRef>
-        </p:style>
-      </p:cxnSp>
-      <p:sp>
-        <p:nvSpPr>
-          <p:cNvPr id="1348" name="직사각형 1347"/>
+              <a:rPr lang="ko-KR" altLang="en-US" sz="2600" b="1"/>
+              <a:t>한줄평 신고 조회</a:t>
+            </a:r>
+            <a:endParaRPr lang="ko-KR" altLang="en-US" sz="2600" b="1"/>
+          </a:p>
+        </p:txBody>
+      </p:sp>
+      <p:sp>
+        <p:nvSpPr>
+          <p:cNvPr id="1349" name="직사각형 1348"/>
           <p:cNvSpPr/>
           <p:nvPr/>
         </p:nvSpPr>
         <p:spPr>
           <a:xfrm>
-            <a:off x="40909828" y="22862292"/>
+            <a:off x="41925196" y="23895418"/>
             <a:ext cx="3060382" cy="684085"/>
           </a:xfrm>
           <a:prstGeom prst="rect">
@@ -10488,20 +10596,21 @@
             </a:pPr>
             <a:r>
               <a:rPr lang="ko-KR" altLang="en-US" sz="2600" b="1"/>
-              <a:t>한줄평 신고 조회</a:t>
-            </a:r>
-          </a:p>
-        </p:txBody>
-      </p:sp>
-      <p:sp>
-        <p:nvSpPr>
-          <p:cNvPr id="1349" name="직사각형 1348"/>
+              <a:t>신고글 상세보기</a:t>
+            </a:r>
+            <a:endParaRPr lang="ko-KR" altLang="en-US" sz="2600" b="1"/>
+          </a:p>
+        </p:txBody>
+      </p:sp>
+      <p:sp>
+        <p:nvSpPr>
+          <p:cNvPr id="1353" name="직사각형 1352"/>
           <p:cNvSpPr/>
           <p:nvPr/>
         </p:nvSpPr>
         <p:spPr>
           <a:xfrm>
-            <a:off x="41925196" y="23895418"/>
+            <a:off x="40040084" y="21836168"/>
             <a:ext cx="3060382" cy="684085"/>
           </a:xfrm>
           <a:prstGeom prst="rect">
@@ -10539,20 +10648,56 @@
             </a:pPr>
             <a:r>
               <a:rPr lang="ko-KR" altLang="en-US" sz="2600" b="1"/>
-              <a:t>신고글 상세보기</a:t>
-            </a:r>
-          </a:p>
-        </p:txBody>
-      </p:sp>
-      <p:sp>
-        <p:nvSpPr>
-          <p:cNvPr id="1353" name="직사각형 1352"/>
+              <a:t>한줄평 신고 관리</a:t>
+            </a:r>
+            <a:endParaRPr lang="ko-KR" altLang="en-US" sz="2600" b="1"/>
+          </a:p>
+        </p:txBody>
+      </p:sp>
+      <p:cxnSp>
+        <p:nvCxnSpPr>
+          <p:cNvPr id="1605" name="연결선: 꺾임 1604"/>
+          <p:cNvCxnSpPr/>
+          <p:nvPr/>
+        </p:nvCxnSpPr>
+        <p:spPr>
+          <a:xfrm rot="10800000">
+            <a:off x="40395004" y="22520254"/>
+            <a:ext cx="514824" cy="684082"/>
+          </a:xfrm>
+          <a:prstGeom prst="bentConnector2">
+            <a:avLst/>
+          </a:prstGeom>
+          <a:ln>
+            <a:solidFill>
+              <a:schemeClr val="dk1"/>
+            </a:solidFill>
+          </a:ln>
+        </p:spPr>
+        <p:style>
+          <a:lnRef idx="1">
+            <a:schemeClr val="accent1"/>
+          </a:lnRef>
+          <a:fillRef idx="0">
+            <a:schemeClr val="accent1"/>
+          </a:fillRef>
+          <a:effectRef idx="0">
+            <a:schemeClr val="accent1"/>
+          </a:effectRef>
+          <a:fontRef idx="minor">
+            <a:schemeClr val="tx1"/>
+          </a:fontRef>
+        </p:style>
+      </p:cxnSp>
+      <p:sp>
+        <p:nvSpPr>
+          <p:cNvPr id="1306" name="직사각형 1305"/>
           <p:cNvSpPr/>
           <p:nvPr/>
         </p:nvSpPr>
         <p:spPr>
           <a:xfrm>
-            <a:off x="40040084" y="21836168"/>
+            <a:off x="45623856" y="22862294"/>
             <a:ext cx="3060382" cy="684085"/>
           </a:xfrm>
           <a:prstGeom prst="rect">
@@ -10590,55 +10735,21 @@
             </a:pPr>
             <a:r>
               <a:rPr lang="ko-KR" altLang="en-US" sz="2600" b="1"/>
-              <a:t>한줄평 신고 관리</a:t>
-            </a:r>
-          </a:p>
-        </p:txBody>
-      </p:sp>
-      <p:cxnSp>
-        <p:nvCxnSpPr>
-          <p:cNvPr id="1605" name="연결선: 꺾임 1604"/>
-          <p:cNvCxnSpPr/>
-          <p:nvPr/>
-        </p:nvCxnSpPr>
-        <p:spPr>
-          <a:xfrm rot="10800000">
-            <a:off x="40395004" y="22520254"/>
-            <a:ext cx="514824" cy="684082"/>
-          </a:xfrm>
-          <a:prstGeom prst="bentConnector2">
-            <a:avLst/>
-          </a:prstGeom>
-          <a:ln>
-            <a:solidFill>
-              <a:schemeClr val="dk1"/>
-            </a:solidFill>
-          </a:ln>
-        </p:spPr>
-        <p:style>
-          <a:lnRef idx="1">
-            <a:schemeClr val="accent1"/>
-          </a:lnRef>
-          <a:fillRef idx="0">
-            <a:schemeClr val="accent1"/>
-          </a:fillRef>
-          <a:effectRef idx="0">
-            <a:schemeClr val="accent1"/>
-          </a:effectRef>
-          <a:fontRef idx="minor">
-            <a:schemeClr val="tx1"/>
-          </a:fontRef>
-        </p:style>
-      </p:cxnSp>
-      <p:sp>
-        <p:nvSpPr>
-          <p:cNvPr id="1306" name="직사각형 1305"/>
+              <a:t>리뷰 신고 조회</a:t>
+            </a:r>
+            <a:endParaRPr lang="ko-KR" altLang="en-US" sz="2600" b="1"/>
+          </a:p>
+        </p:txBody>
+      </p:sp>
+      <p:sp>
+        <p:nvSpPr>
+          <p:cNvPr id="1307" name="직사각형 1306"/>
           <p:cNvSpPr/>
           <p:nvPr/>
         </p:nvSpPr>
         <p:spPr>
           <a:xfrm>
-            <a:off x="45623856" y="22862294"/>
+            <a:off x="46408660" y="23895416"/>
             <a:ext cx="3060382" cy="684085"/>
           </a:xfrm>
           <a:prstGeom prst="rect">
@@ -10676,20 +10787,21 @@
             </a:pPr>
             <a:r>
               <a:rPr lang="ko-KR" altLang="en-US" sz="2600" b="1"/>
-              <a:t>리뷰 신고 조회</a:t>
-            </a:r>
-          </a:p>
-        </p:txBody>
-      </p:sp>
-      <p:sp>
-        <p:nvSpPr>
-          <p:cNvPr id="1307" name="직사각형 1306"/>
+              <a:t>신고글 상세보기</a:t>
+            </a:r>
+            <a:endParaRPr lang="ko-KR" altLang="en-US" sz="2600" b="1"/>
+          </a:p>
+        </p:txBody>
+      </p:sp>
+      <p:sp>
+        <p:nvSpPr>
+          <p:cNvPr id="1308" name="직사각형 1307"/>
           <p:cNvSpPr/>
           <p:nvPr/>
         </p:nvSpPr>
         <p:spPr>
           <a:xfrm>
-            <a:off x="46408660" y="23895416"/>
+            <a:off x="46408656" y="24883394"/>
             <a:ext cx="3060382" cy="684085"/>
           </a:xfrm>
           <a:prstGeom prst="rect">
@@ -10727,20 +10839,21 @@
             </a:pPr>
             <a:r>
               <a:rPr lang="ko-KR" altLang="en-US" sz="2600" b="1"/>
-              <a:t>신고글 상세보기</a:t>
-            </a:r>
-          </a:p>
-        </p:txBody>
-      </p:sp>
-      <p:sp>
-        <p:nvSpPr>
-          <p:cNvPr id="1308" name="직사각형 1307"/>
+              <a:t>리뷰글 상세보기</a:t>
+            </a:r>
+            <a:endParaRPr lang="ko-KR" altLang="en-US" sz="2600" b="1"/>
+          </a:p>
+        </p:txBody>
+      </p:sp>
+      <p:sp>
+        <p:nvSpPr>
+          <p:cNvPr id="1319" name="직사각형 1318"/>
           <p:cNvSpPr/>
           <p:nvPr/>
         </p:nvSpPr>
         <p:spPr>
           <a:xfrm>
-            <a:off x="46408656" y="24883394"/>
+            <a:off x="44878468" y="21836168"/>
             <a:ext cx="3060382" cy="684085"/>
           </a:xfrm>
           <a:prstGeom prst="rect">
@@ -10778,59 +10891,9 @@
             </a:pPr>
             <a:r>
               <a:rPr lang="ko-KR" altLang="en-US" sz="2600" b="1"/>
-              <a:t>리뷰글 상세보기</a:t>
-            </a:r>
-          </a:p>
-        </p:txBody>
-      </p:sp>
-      <p:sp>
-        <p:nvSpPr>
-          <p:cNvPr id="1319" name="직사각형 1318"/>
-          <p:cNvSpPr/>
-          <p:nvPr/>
-        </p:nvSpPr>
-        <p:spPr>
-          <a:xfrm>
-            <a:off x="44878468" y="21836168"/>
-            <a:ext cx="3060382" cy="684085"/>
-          </a:xfrm>
-          <a:prstGeom prst="rect">
-            <a:avLst/>
-          </a:prstGeom>
-          <a:ln/>
-        </p:spPr>
-        <p:style>
-          <a:lnRef idx="2">
-            <a:schemeClr val="accent6">
-              <a:shade val="50000"/>
-            </a:schemeClr>
-          </a:lnRef>
-          <a:fillRef idx="1">
-            <a:schemeClr val="accent6"/>
-          </a:fillRef>
-          <a:effectRef idx="0">
-            <a:schemeClr val="accent6"/>
-          </a:effectRef>
-          <a:fontRef idx="minor">
-            <a:schemeClr val="lt1"/>
-          </a:fontRef>
-        </p:style>
-        <p:txBody>
-          <a:bodyPr rot="0" vert="horz" wrap="square" lIns="77272" tIns="38641" rIns="77272" bIns="38641" anchor="ctr" anchorCtr="0">
-            <a:prstTxWarp prst="textNoShape">
-              <a:avLst/>
-            </a:prstTxWarp>
-            <a:noAutofit/>
-          </a:bodyPr>
-          <a:lstStyle/>
-          <a:p>
-            <a:pPr algn="ctr">
-              <a:defRPr/>
-            </a:pPr>
-            <a:r>
-              <a:rPr lang="ko-KR" altLang="en-US" sz="2600" b="1"/>
               <a:t>리뷰 신고 관리</a:t>
             </a:r>
+            <a:endParaRPr lang="ko-KR" altLang="en-US" sz="2600" b="1"/>
           </a:p>
         </p:txBody>
       </p:sp>
@@ -11312,14 +11375,13 @@
         <p:nvCxnSpPr>
           <p:cNvPr id="1675" name="연결선: 꺾임 1674"/>
           <p:cNvCxnSpPr>
-            <a:cxnSpLocks/>
             <a:stCxn id="1017" idx="0"/>
           </p:cNvCxnSpPr>
           <p:nvPr/>
         </p:nvCxnSpPr>
         <p:spPr>
           <a:xfrm rot="5400000" flipH="1" flipV="1">
-            <a:off x="14272757" y="13512609"/>
+            <a:off x="14272757" y="13512610"/>
             <a:ext cx="520372" cy="11685802"/>
           </a:xfrm>
           <a:prstGeom prst="bentConnector2">
@@ -11573,7 +11635,7 @@
         </p:nvSpPr>
         <p:spPr>
           <a:xfrm>
-            <a:off x="20554320" y="12385407"/>
+            <a:off x="20802400" y="11598262"/>
             <a:ext cx="3060382" cy="684085"/>
           </a:xfrm>
           <a:prstGeom prst="rect">
@@ -11613,6 +11675,7 @@
               <a:rPr lang="ko-KR" altLang="en-US" sz="2600" b="1"/>
               <a:t>기프티콘 수정</a:t>
             </a:r>
+            <a:endParaRPr lang="ko-KR" altLang="en-US" sz="2600" b="1"/>
           </a:p>
         </p:txBody>
       </p:sp>
@@ -11624,7 +11687,7 @@
         </p:nvSpPr>
         <p:spPr>
           <a:xfrm>
-            <a:off x="20554320" y="13298675"/>
+            <a:off x="20802400" y="12511530"/>
             <a:ext cx="3060382" cy="684085"/>
           </a:xfrm>
           <a:prstGeom prst="rect">
@@ -11664,6 +11727,7 @@
               <a:rPr lang="ko-KR" altLang="en-US" sz="2600" b="1"/>
               <a:t>기프티콘 삭제</a:t>
             </a:r>
+            <a:endParaRPr lang="ko-KR" altLang="en-US" sz="2600" b="1"/>
           </a:p>
         </p:txBody>
       </p:sp>
@@ -11677,7 +11741,7 @@
         </p:nvCxnSpPr>
         <p:spPr>
           <a:xfrm rot="10800000">
-            <a:off x="20188268" y="11191280"/>
+            <a:off x="20436348" y="10404135"/>
             <a:ext cx="366052" cy="1536171"/>
           </a:xfrm>
           <a:prstGeom prst="bentConnector2">
@@ -11712,7 +11776,7 @@
         </p:nvCxnSpPr>
         <p:spPr>
           <a:xfrm rot="10800000">
-            <a:off x="20188088" y="12097672"/>
+            <a:off x="20436168" y="11310527"/>
             <a:ext cx="366052" cy="1536171"/>
           </a:xfrm>
           <a:prstGeom prst="bentConnector2">
@@ -11787,6 +11851,7 @@
               <a:rPr lang="ko-KR" altLang="en-US" sz="2600" b="1"/>
               <a:t>영화 수정</a:t>
             </a:r>
+            <a:endParaRPr lang="ko-KR" altLang="en-US" sz="2600" b="1"/>
           </a:p>
         </p:txBody>
       </p:sp>
@@ -11838,6 +11903,7 @@
               <a:rPr lang="ko-KR" altLang="en-US" sz="2600" b="1"/>
               <a:t>영화 삭제</a:t>
             </a:r>
+            <a:endParaRPr lang="ko-KR" altLang="en-US" sz="2600" b="1"/>
           </a:p>
         </p:txBody>
       </p:sp>
@@ -12338,6 +12404,7 @@
               <a:rPr lang="ko-KR" altLang="en-US" sz="2600" b="1"/>
               <a:t>영화 검색</a:t>
             </a:r>
+            <a:endParaRPr lang="ko-KR" altLang="en-US" sz="2600" b="1"/>
           </a:p>
         </p:txBody>
       </p:sp>
@@ -12396,6 +12463,7 @@
               <a:rPr lang="ko-KR" altLang="en-US" sz="2600" b="1"/>
               <a:t>영화 랭킹 조회</a:t>
             </a:r>
+            <a:endParaRPr lang="ko-KR" altLang="en-US" sz="2600" b="1"/>
           </a:p>
         </p:txBody>
       </p:sp>
@@ -12845,47 +12913,10 @@
         </p:nvCxnSpPr>
         <p:spPr>
           <a:xfrm rot="10800000">
-            <a:off x="19391424" y="8067378"/>
-            <a:ext cx="551184" cy="2650379"/>
+            <a:off x="19639504" y="8099893"/>
+            <a:ext cx="551184" cy="1830719"/>
           </a:xfrm>
           <a:prstGeom prst="bentConnector2">
-            <a:avLst/>
-          </a:prstGeom>
-          <a:ln>
-            <a:solidFill>
-              <a:schemeClr val="dk1"/>
-            </a:solidFill>
-          </a:ln>
-        </p:spPr>
-        <p:style>
-          <a:lnRef idx="1">
-            <a:schemeClr val="accent1"/>
-          </a:lnRef>
-          <a:fillRef idx="0">
-            <a:schemeClr val="accent1"/>
-          </a:fillRef>
-          <a:effectRef idx="0">
-            <a:schemeClr val="accent1"/>
-          </a:effectRef>
-          <a:fontRef idx="minor">
-            <a:schemeClr val="tx1"/>
-          </a:fontRef>
-        </p:style>
-      </p:cxnSp>
-      <p:cxnSp>
-        <p:nvCxnSpPr>
-          <p:cNvPr id="1708" name="직선 연결선 1707"/>
-          <p:cNvCxnSpPr>
-            <a:stCxn id="1184" idx="1"/>
-          </p:cNvCxnSpPr>
-          <p:nvPr/>
-        </p:nvCxnSpPr>
-        <p:spPr>
-          <a:xfrm rot="10800000">
-            <a:off x="19391424" y="8701018"/>
-            <a:ext cx="490716" cy="2"/>
-          </a:xfrm>
-          <a:prstGeom prst="line">
             <a:avLst/>
           </a:prstGeom>
           <a:ln>
@@ -12919,7 +12950,7 @@
         </p:nvCxnSpPr>
         <p:spPr>
           <a:xfrm rot="10800000">
-            <a:off x="19391424" y="9617762"/>
+            <a:off x="19639504" y="8830617"/>
             <a:ext cx="551176" cy="0"/>
           </a:xfrm>
           <a:prstGeom prst="line">
@@ -13467,7 +13498,7 @@
           <p:nvPr/>
         </p:nvCxnSpPr>
         <p:spPr>
-          <a:xfrm rot="10800000" flipV="1">
+          <a:xfrm rot="10800000">
             <a:off x="43455392" y="8183752"/>
             <a:ext cx="959712" cy="0"/>
           </a:xfrm>
@@ -13663,6 +13694,7 @@
               <a:rPr lang="ko-KR" altLang="en-US" sz="2600" b="1"/>
               <a:t>게시글 검색</a:t>
             </a:r>
+            <a:endParaRPr lang="ko-KR" altLang="en-US" sz="2600" b="1"/>
           </a:p>
         </p:txBody>
       </p:sp>
@@ -13718,6 +13750,7 @@
               <a:rPr lang="ko-KR" altLang="en-US" sz="2600" b="1"/>
               <a:t>게시글 등록</a:t>
             </a:r>
+            <a:endParaRPr lang="ko-KR" altLang="en-US" sz="2600" b="1"/>
           </a:p>
         </p:txBody>
       </p:sp>
@@ -13726,11 +13759,11 @@
   <p:clrMapOvr>
     <a:masterClrMapping/>
   </p:clrMapOvr>
-  <mc:AlternateContent xmlns:mc="http://schemas.openxmlformats.org/markup-compatibility/2006" xmlns:p14="http://schemas.microsoft.com/office/powerpoint/2010/main">
-    <mc:Choice Requires="p14">
-      <p:transition/>
+  <mc:AlternateContent xmlns:mc="http://schemas.openxmlformats.org/markup-compatibility/2006">
+    <mc:Choice xmlns:p14="http://schemas.microsoft.com/office/powerpoint/2010/main" Requires="p14">
+      <p:transition xmlns:mc="http://schemas.openxmlformats.org/markup-compatibility/2006" xmlns:p14="http://schemas.microsoft.com/office/powerpoint/2010/main" mc:Ignorable="p14" p14:dur="500"/>
     </mc:Choice>
-    <mc:Fallback xmlns:dsp="http://schemas.microsoft.com/office/drawing/2008/diagram" xmlns:dgm="http://schemas.openxmlformats.org/drawingml/2006/diagram" xmlns:c="http://schemas.openxmlformats.org/drawingml/2006/chart" xmlns="">
+    <mc:Fallback>
       <p:transition/>
     </mc:Fallback>
   </mc:AlternateContent>
@@ -13738,49 +13771,49 @@
 </file>
 
 <file path=ppt/theme/theme1.xml><?xml version="1.0" encoding="utf-8"?>
-<a:theme xmlns:a="http://schemas.openxmlformats.org/drawingml/2006/main" name="Office 테마">
+<a:theme xmlns:r="http://schemas.openxmlformats.org/officeDocument/2006/relationships" xmlns:c="http://schemas.openxmlformats.org/drawingml/2006/chart" xmlns:dgm="http://schemas.openxmlformats.org/drawingml/2006/diagram" xmlns:dsp="http://schemas.microsoft.com/office/drawing/2008/diagram" xmlns:a="http://schemas.openxmlformats.org/drawingml/2006/main" xmlns:pic="http://schemas.openxmlformats.org/drawingml/2006/picture" xmlns:wp="http://schemas.openxmlformats.org/drawingml/2006/wordprocessingDrawing" xmlns:xdr="http://schemas.openxmlformats.org/drawingml/2006/spreadsheetDrawing" xmlns:p="http://schemas.openxmlformats.org/presentationml/2006/main" name="Office 테마">
   <a:themeElements>
     <a:clrScheme name="Office 테마">
       <a:dk1>
         <a:sysClr val="windowText" lastClr="000000"/>
       </a:dk1>
       <a:lt1>
-        <a:sysClr val="window" lastClr="FFFFFF"/>
+        <a:sysClr val="window" lastClr="ffffff"/>
       </a:lt1>
       <a:dk2>
-        <a:srgbClr val="44546A"/>
+        <a:srgbClr val="44546a"/>
       </a:dk2>
       <a:lt2>
-        <a:srgbClr val="E7E6E6"/>
+        <a:srgbClr val="e7e6e6"/>
       </a:lt2>
       <a:accent1>
-        <a:srgbClr val="4472C4"/>
+        <a:srgbClr val="4472c4"/>
       </a:accent1>
       <a:accent2>
-        <a:srgbClr val="ED7D31"/>
+        <a:srgbClr val="ed7d31"/>
       </a:accent2>
       <a:accent3>
-        <a:srgbClr val="A5A5A5"/>
+        <a:srgbClr val="a5a5a5"/>
       </a:accent3>
       <a:accent4>
-        <a:srgbClr val="FFC000"/>
+        <a:srgbClr val="ffc000"/>
       </a:accent4>
       <a:accent5>
-        <a:srgbClr val="5B9BD5"/>
+        <a:srgbClr val="5b9bd5"/>
       </a:accent5>
       <a:accent6>
-        <a:srgbClr val="70AD47"/>
+        <a:srgbClr val="70ad47"/>
       </a:accent6>
       <a:hlink>
-        <a:srgbClr val="0563C1"/>
+        <a:srgbClr val="0563c1"/>
       </a:hlink>
       <a:folHlink>
-        <a:srgbClr val="954F72"/>
+        <a:srgbClr val="954f72"/>
       </a:folHlink>
     </a:clrScheme>
     <a:fontScheme name="Office 테마">
       <a:majorFont>
-        <a:latin typeface="Calibri Light" panose="21474836470000000000"/>
+        <a:latin typeface="Calibri Light" panose="2147483647"/>
         <a:ea typeface=""/>
         <a:cs typeface=""/>
         <a:font script="Jpan" typeface="Yu Gothic Light"/>
@@ -13815,7 +13848,7 @@
         <a:font script="Geor" typeface="Sylfaen"/>
       </a:majorFont>
       <a:minorFont>
-        <a:latin typeface="Calibri" panose="21474836470000000000"/>
+        <a:latin typeface="Calibri" panose="2147483647"/>
         <a:ea typeface=""/>
         <a:cs typeface=""/>
         <a:font script="Jpan" typeface="Yu Gothic"/>
@@ -13988,55 +14021,53 @@
       </a:bgFillStyleLst>
     </a:fmtScheme>
   </a:themeElements>
-  <a:objectDefaults/>
-  <a:extraClrSchemeLst/>
 </a:theme>
 </file>
 
 <file path=ppt/theme/theme2.xml><?xml version="1.0" encoding="utf-8"?>
-<a:theme xmlns:a="http://schemas.openxmlformats.org/drawingml/2006/main" name="Office 테마">
+<a:theme xmlns:r="http://schemas.openxmlformats.org/officeDocument/2006/relationships" xmlns:c="http://schemas.openxmlformats.org/drawingml/2006/chart" xmlns:dgm="http://schemas.openxmlformats.org/drawingml/2006/diagram" xmlns:dsp="http://schemas.microsoft.com/office/drawing/2008/diagram" xmlns:a="http://schemas.openxmlformats.org/drawingml/2006/main" xmlns:pic="http://schemas.openxmlformats.org/drawingml/2006/picture" xmlns:wp="http://schemas.openxmlformats.org/drawingml/2006/wordprocessingDrawing" xmlns:xdr="http://schemas.openxmlformats.org/drawingml/2006/spreadsheetDrawing" xmlns:p="http://schemas.openxmlformats.org/presentationml/2006/main" name="Office 테마">
   <a:themeElements>
     <a:clrScheme name="Office">
       <a:dk1>
         <a:sysClr val="windowText" lastClr="000000"/>
       </a:dk1>
       <a:lt1>
-        <a:sysClr val="window" lastClr="FFFFFF"/>
+        <a:sysClr val="window" lastClr="ffffff"/>
       </a:lt1>
       <a:dk2>
-        <a:srgbClr val="44546A"/>
+        <a:srgbClr val="44546a"/>
       </a:dk2>
       <a:lt2>
-        <a:srgbClr val="E7E6E6"/>
+        <a:srgbClr val="e7e6e6"/>
       </a:lt2>
       <a:accent1>
-        <a:srgbClr val="4472C4"/>
+        <a:srgbClr val="4472c4"/>
       </a:accent1>
       <a:accent2>
-        <a:srgbClr val="ED7D31"/>
+        <a:srgbClr val="ed7d31"/>
       </a:accent2>
       <a:accent3>
-        <a:srgbClr val="A5A5A5"/>
+        <a:srgbClr val="a5a5a5"/>
       </a:accent3>
       <a:accent4>
-        <a:srgbClr val="FFC000"/>
+        <a:srgbClr val="ffc000"/>
       </a:accent4>
       <a:accent5>
-        <a:srgbClr val="5B9BD5"/>
+        <a:srgbClr val="5b9bd5"/>
       </a:accent5>
       <a:accent6>
-        <a:srgbClr val="70AD47"/>
+        <a:srgbClr val="70ad47"/>
       </a:accent6>
       <a:hlink>
-        <a:srgbClr val="0563C1"/>
+        <a:srgbClr val="0563c1"/>
       </a:hlink>
       <a:folHlink>
-        <a:srgbClr val="954F72"/>
+        <a:srgbClr val="954f72"/>
       </a:folHlink>
     </a:clrScheme>
     <a:fontScheme name="Office">
       <a:majorFont>
-        <a:latin typeface="맑은 고딕" panose="21474836470000000000"/>
+        <a:latin typeface="맑은 고딕" panose="2147483647"/>
         <a:ea typeface=""/>
         <a:cs typeface=""/>
         <a:font script="Jpan" typeface="Yu Gothic Light"/>
@@ -14088,7 +14119,7 @@
         <a:font script="Tfng" typeface="Ebrima"/>
       </a:majorFont>
       <a:minorFont>
-        <a:latin typeface="맑은 고딕" panose="21474836470000000000"/>
+        <a:latin typeface="맑은 고딕" panose="2147483647"/>
         <a:ea typeface=""/>
         <a:cs typeface=""/>
         <a:font script="Jpan" typeface="Yu Gothic"/>
@@ -14278,7 +14309,5 @@
       </a:bgFillStyleLst>
     </a:fmtScheme>
   </a:themeElements>
-  <a:objectDefaults/>
-  <a:extraClrSchemeLst/>
 </a:theme>
 </file>